--- a/_tmp/イメージ.pptx
+++ b/_tmp/イメージ.pptx
@@ -4521,13 +4521,11 @@
             <a:avLst/>
           </a:prstGeom>
           <a:solidFill>
-            <a:schemeClr val="bg2">
-              <a:lumMod val="50000"/>
-            </a:schemeClr>
+            <a:srgbClr val="F6CB57"/>
           </a:solidFill>
           <a:ln w="76200">
             <a:solidFill>
-              <a:schemeClr val="tx1"/>
+              <a:srgbClr val="B27525"/>
             </a:solidFill>
           </a:ln>
         </p:spPr>
@@ -4658,13 +4656,11 @@
             </a:pathLst>
           </a:custGeom>
           <a:solidFill>
-            <a:schemeClr val="bg2">
-              <a:lumMod val="50000"/>
-            </a:schemeClr>
+            <a:srgbClr val="F6CB57"/>
           </a:solidFill>
           <a:ln w="76200">
             <a:solidFill>
-              <a:schemeClr val="tx1"/>
+              <a:srgbClr val="B27525"/>
             </a:solidFill>
           </a:ln>
         </p:spPr>
@@ -4791,13 +4787,11 @@
             </a:pathLst>
           </a:custGeom>
           <a:solidFill>
-            <a:schemeClr val="bg2">
-              <a:lumMod val="50000"/>
-            </a:schemeClr>
+            <a:srgbClr val="F6CB57"/>
           </a:solidFill>
           <a:ln w="76200">
             <a:solidFill>
-              <a:schemeClr val="tx1"/>
+              <a:srgbClr val="B27525"/>
             </a:solidFill>
           </a:ln>
         </p:spPr>
@@ -4849,13 +4843,11 @@
             <a:avLst/>
           </a:prstGeom>
           <a:solidFill>
-            <a:schemeClr val="bg2">
-              <a:lumMod val="50000"/>
-            </a:schemeClr>
+            <a:srgbClr val="F6CB57"/>
           </a:solidFill>
           <a:ln w="76200">
             <a:solidFill>
-              <a:schemeClr val="tx1"/>
+              <a:srgbClr val="B27525"/>
             </a:solidFill>
           </a:ln>
         </p:spPr>
@@ -4905,13 +4897,11 @@
             <a:avLst/>
           </a:prstGeom>
           <a:solidFill>
-            <a:schemeClr val="bg2">
-              <a:lumMod val="50000"/>
-            </a:schemeClr>
+            <a:srgbClr val="B27525"/>
           </a:solidFill>
           <a:ln w="76200">
             <a:solidFill>
-              <a:schemeClr val="tx1"/>
+              <a:srgbClr val="B27525"/>
             </a:solidFill>
           </a:ln>
         </p:spPr>
@@ -4991,13 +4981,11 @@
             <a:avLst/>
           </a:prstGeom>
           <a:solidFill>
-            <a:schemeClr val="bg2">
-              <a:lumMod val="50000"/>
-            </a:schemeClr>
+            <a:srgbClr val="F6CB57"/>
           </a:solidFill>
           <a:ln w="76200">
             <a:solidFill>
-              <a:schemeClr val="tx1"/>
+              <a:srgbClr val="B27525"/>
             </a:solidFill>
           </a:ln>
         </p:spPr>
@@ -5128,13 +5116,11 @@
             </a:pathLst>
           </a:custGeom>
           <a:solidFill>
-            <a:schemeClr val="bg2">
-              <a:lumMod val="50000"/>
-            </a:schemeClr>
+            <a:srgbClr val="F6CB57"/>
           </a:solidFill>
           <a:ln w="76200">
             <a:solidFill>
-              <a:schemeClr val="tx1"/>
+              <a:srgbClr val="B27525"/>
             </a:solidFill>
           </a:ln>
         </p:spPr>
@@ -5261,13 +5247,11 @@
             </a:pathLst>
           </a:custGeom>
           <a:solidFill>
-            <a:schemeClr val="bg2">
-              <a:lumMod val="50000"/>
-            </a:schemeClr>
+            <a:srgbClr val="F6CB57"/>
           </a:solidFill>
           <a:ln w="76200">
             <a:solidFill>
-              <a:schemeClr val="tx1"/>
+              <a:srgbClr val="B27525"/>
             </a:solidFill>
           </a:ln>
         </p:spPr>
@@ -5319,13 +5303,11 @@
             <a:avLst/>
           </a:prstGeom>
           <a:solidFill>
-            <a:schemeClr val="bg2">
-              <a:lumMod val="50000"/>
-            </a:schemeClr>
+            <a:srgbClr val="F6CB57"/>
           </a:solidFill>
           <a:ln w="76200">
             <a:solidFill>
-              <a:schemeClr val="tx1"/>
+              <a:srgbClr val="B27525"/>
             </a:solidFill>
           </a:ln>
         </p:spPr>
@@ -5375,13 +5357,11 @@
             <a:avLst/>
           </a:prstGeom>
           <a:solidFill>
-            <a:schemeClr val="bg2">
-              <a:lumMod val="50000"/>
-            </a:schemeClr>
+            <a:srgbClr val="B27525"/>
           </a:solidFill>
           <a:ln w="76200">
             <a:solidFill>
-              <a:schemeClr val="tx1"/>
+              <a:srgbClr val="B27525"/>
             </a:solidFill>
           </a:ln>
         </p:spPr>

--- a/_tmp/イメージ.pptx
+++ b/_tmp/イメージ.pptx
@@ -17,6 +17,7 @@
     <p:sldId id="265" r:id="rId11"/>
     <p:sldId id="266" r:id="rId12"/>
     <p:sldId id="267" r:id="rId13"/>
+    <p:sldId id="268" r:id="rId14"/>
   </p:sldIdLst>
   <p:sldSz cx="12192000" cy="6858000"/>
   <p:notesSz cx="6858000" cy="9144000"/>
@@ -5394,6 +5395,127 @@
     <p:extLst>
       <p:ext uri="{BB962C8B-B14F-4D97-AF65-F5344CB8AC3E}">
         <p14:creationId xmlns:p14="http://schemas.microsoft.com/office/powerpoint/2010/main" val="1113617314"/>
+      </p:ext>
+    </p:extLst>
+  </p:cSld>
+  <p:clrMapOvr>
+    <a:masterClrMapping/>
+  </p:clrMapOvr>
+</p:sld>
+</file>
+
+<file path=ppt/slides/slide13.xml><?xml version="1.0" encoding="utf-8"?>
+<p:sld xmlns:a="http://schemas.openxmlformats.org/drawingml/2006/main" xmlns:r="http://schemas.openxmlformats.org/officeDocument/2006/relationships" xmlns:p="http://schemas.openxmlformats.org/presentationml/2006/main">
+  <p:cSld>
+    <p:spTree>
+      <p:nvGrpSpPr>
+        <p:cNvPr id="1" name=""/>
+        <p:cNvGrpSpPr/>
+        <p:nvPr/>
+      </p:nvGrpSpPr>
+      <p:grpSpPr>
+        <a:xfrm>
+          <a:off x="0" y="0"/>
+          <a:ext cx="0" cy="0"/>
+          <a:chOff x="0" y="0"/>
+          <a:chExt cx="0" cy="0"/>
+        </a:xfrm>
+      </p:grpSpPr>
+      <p:pic>
+        <p:nvPicPr>
+          <p:cNvPr id="3" name="図 2" descr="ロゴ&#10;&#10;自動的に生成された説明">
+            <a:extLst>
+              <a:ext uri="{FF2B5EF4-FFF2-40B4-BE49-F238E27FC236}">
+                <a16:creationId xmlns:a16="http://schemas.microsoft.com/office/drawing/2014/main" id="{7C77AF4D-80D2-5254-AED9-01EF1A2F490C}"/>
+              </a:ext>
+            </a:extLst>
+          </p:cNvPr>
+          <p:cNvPicPr>
+            <a:picLocks noChangeAspect="1"/>
+          </p:cNvPicPr>
+          <p:nvPr/>
+        </p:nvPicPr>
+        <p:blipFill>
+          <a:blip r:embed="rId2">
+            <a:extLst>
+              <a:ext uri="{28A0092B-C50C-407E-A947-70E740481C1C}">
+                <a14:useLocalDpi xmlns:a14="http://schemas.microsoft.com/office/drawing/2010/main" val="0"/>
+              </a:ext>
+            </a:extLst>
+          </a:blip>
+          <a:stretch>
+            <a:fillRect/>
+          </a:stretch>
+        </p:blipFill>
+        <p:spPr>
+          <a:xfrm>
+            <a:off x="0" y="1600200"/>
+            <a:ext cx="12192000" cy="3657600"/>
+          </a:xfrm>
+          <a:prstGeom prst="rect">
+            <a:avLst/>
+          </a:prstGeom>
+        </p:spPr>
+      </p:pic>
+      <p:sp>
+        <p:nvSpPr>
+          <p:cNvPr id="4" name="テキスト ボックス 3">
+            <a:extLst>
+              <a:ext uri="{FF2B5EF4-FFF2-40B4-BE49-F238E27FC236}">
+                <a16:creationId xmlns:a16="http://schemas.microsoft.com/office/drawing/2014/main" id="{D47C0025-C5D8-507A-7913-2A21B922F32A}"/>
+              </a:ext>
+            </a:extLst>
+          </p:cNvPr>
+          <p:cNvSpPr txBox="1"/>
+          <p:nvPr/>
+        </p:nvSpPr>
+        <p:spPr>
+          <a:xfrm>
+            <a:off x="985652" y="1703451"/>
+            <a:ext cx="3995651" cy="1200329"/>
+          </a:xfrm>
+          <a:prstGeom prst="rect">
+            <a:avLst/>
+          </a:prstGeom>
+          <a:noFill/>
+        </p:spPr>
+        <p:txBody>
+          <a:bodyPr wrap="square" rtlCol="0">
+            <a:spAutoFit/>
+          </a:bodyPr>
+          <a:lstStyle/>
+          <a:p>
+            <a:pPr algn="ctr"/>
+            <a:r>
+              <a:rPr lang="ja-JP" altLang="en-US" sz="7200" dirty="0">
+                <a:ln w="38100">
+                  <a:solidFill>
+                    <a:schemeClr val="bg1"/>
+                  </a:solidFill>
+                </a:ln>
+                <a:latin typeface="Rounded Mplus 1c" panose="020B0502020203020207" pitchFamily="50" charset="-128"/>
+                <a:ea typeface="Rounded Mplus 1c" panose="020B0502020203020207" pitchFamily="50" charset="-128"/>
+                <a:cs typeface="Rounded Mplus 1c" panose="020B0502020203020207" pitchFamily="50" charset="-128"/>
+              </a:rPr>
+              <a:t>ベータ版</a:t>
+            </a:r>
+            <a:endParaRPr kumimoji="1" lang="ja-JP" altLang="en-US" sz="7200" dirty="0">
+              <a:ln w="38100">
+                <a:solidFill>
+                  <a:schemeClr val="bg1"/>
+                </a:solidFill>
+              </a:ln>
+              <a:latin typeface="Rounded Mplus 1c" panose="020B0502020203020207" pitchFamily="50" charset="-128"/>
+              <a:ea typeface="Rounded Mplus 1c" panose="020B0502020203020207" pitchFamily="50" charset="-128"/>
+              <a:cs typeface="Rounded Mplus 1c" panose="020B0502020203020207" pitchFamily="50" charset="-128"/>
+            </a:endParaRPr>
+          </a:p>
+        </p:txBody>
+      </p:sp>
+    </p:spTree>
+    <p:extLst>
+      <p:ext uri="{BB962C8B-B14F-4D97-AF65-F5344CB8AC3E}">
+        <p14:creationId xmlns:p14="http://schemas.microsoft.com/office/powerpoint/2010/main" val="1281683933"/>
       </p:ext>
     </p:extLst>
   </p:cSld>

--- a/_tmp/イメージ.pptx
+++ b/_tmp/イメージ.pptx
@@ -271,7 +271,7 @@
           <a:p>
             <a:fld id="{631EE54B-C8F3-4E2F-AEEF-7EF4ED04F042}" type="datetimeFigureOut">
               <a:rPr kumimoji="1" lang="ja-JP" altLang="en-US" smtClean="0"/>
-              <a:t>2023/11/2</a:t>
+              <a:t>2023/11/3</a:t>
             </a:fld>
             <a:endParaRPr kumimoji="1" lang="ja-JP" altLang="en-US"/>
           </a:p>
@@ -501,7 +501,7 @@
           <a:p>
             <a:fld id="{631EE54B-C8F3-4E2F-AEEF-7EF4ED04F042}" type="datetimeFigureOut">
               <a:rPr kumimoji="1" lang="ja-JP" altLang="en-US" smtClean="0"/>
-              <a:t>2023/11/2</a:t>
+              <a:t>2023/11/3</a:t>
             </a:fld>
             <a:endParaRPr kumimoji="1" lang="ja-JP" altLang="en-US"/>
           </a:p>
@@ -741,7 +741,7 @@
           <a:p>
             <a:fld id="{631EE54B-C8F3-4E2F-AEEF-7EF4ED04F042}" type="datetimeFigureOut">
               <a:rPr kumimoji="1" lang="ja-JP" altLang="en-US" smtClean="0"/>
-              <a:t>2023/11/2</a:t>
+              <a:t>2023/11/3</a:t>
             </a:fld>
             <a:endParaRPr kumimoji="1" lang="ja-JP" altLang="en-US"/>
           </a:p>
@@ -971,7 +971,7 @@
           <a:p>
             <a:fld id="{631EE54B-C8F3-4E2F-AEEF-7EF4ED04F042}" type="datetimeFigureOut">
               <a:rPr kumimoji="1" lang="ja-JP" altLang="en-US" smtClean="0"/>
-              <a:t>2023/11/2</a:t>
+              <a:t>2023/11/3</a:t>
             </a:fld>
             <a:endParaRPr kumimoji="1" lang="ja-JP" altLang="en-US"/>
           </a:p>
@@ -1246,7 +1246,7 @@
           <a:p>
             <a:fld id="{631EE54B-C8F3-4E2F-AEEF-7EF4ED04F042}" type="datetimeFigureOut">
               <a:rPr kumimoji="1" lang="ja-JP" altLang="en-US" smtClean="0"/>
-              <a:t>2023/11/2</a:t>
+              <a:t>2023/11/3</a:t>
             </a:fld>
             <a:endParaRPr kumimoji="1" lang="ja-JP" altLang="en-US"/>
           </a:p>
@@ -1575,7 +1575,7 @@
           <a:p>
             <a:fld id="{631EE54B-C8F3-4E2F-AEEF-7EF4ED04F042}" type="datetimeFigureOut">
               <a:rPr kumimoji="1" lang="ja-JP" altLang="en-US" smtClean="0"/>
-              <a:t>2023/11/2</a:t>
+              <a:t>2023/11/3</a:t>
             </a:fld>
             <a:endParaRPr kumimoji="1" lang="ja-JP" altLang="en-US"/>
           </a:p>
@@ -2051,7 +2051,7 @@
           <a:p>
             <a:fld id="{631EE54B-C8F3-4E2F-AEEF-7EF4ED04F042}" type="datetimeFigureOut">
               <a:rPr kumimoji="1" lang="ja-JP" altLang="en-US" smtClean="0"/>
-              <a:t>2023/11/2</a:t>
+              <a:t>2023/11/3</a:t>
             </a:fld>
             <a:endParaRPr kumimoji="1" lang="ja-JP" altLang="en-US"/>
           </a:p>
@@ -2192,7 +2192,7 @@
           <a:p>
             <a:fld id="{631EE54B-C8F3-4E2F-AEEF-7EF4ED04F042}" type="datetimeFigureOut">
               <a:rPr kumimoji="1" lang="ja-JP" altLang="en-US" smtClean="0"/>
-              <a:t>2023/11/2</a:t>
+              <a:t>2023/11/3</a:t>
             </a:fld>
             <a:endParaRPr kumimoji="1" lang="ja-JP" altLang="en-US"/>
           </a:p>
@@ -2305,7 +2305,7 @@
           <a:p>
             <a:fld id="{631EE54B-C8F3-4E2F-AEEF-7EF4ED04F042}" type="datetimeFigureOut">
               <a:rPr kumimoji="1" lang="ja-JP" altLang="en-US" smtClean="0"/>
-              <a:t>2023/11/2</a:t>
+              <a:t>2023/11/3</a:t>
             </a:fld>
             <a:endParaRPr kumimoji="1" lang="ja-JP" altLang="en-US"/>
           </a:p>
@@ -2648,7 +2648,7 @@
           <a:p>
             <a:fld id="{631EE54B-C8F3-4E2F-AEEF-7EF4ED04F042}" type="datetimeFigureOut">
               <a:rPr kumimoji="1" lang="ja-JP" altLang="en-US" smtClean="0"/>
-              <a:t>2023/11/2</a:t>
+              <a:t>2023/11/3</a:t>
             </a:fld>
             <a:endParaRPr kumimoji="1" lang="ja-JP" altLang="en-US"/>
           </a:p>
@@ -2936,7 +2936,7 @@
           <a:p>
             <a:fld id="{631EE54B-C8F3-4E2F-AEEF-7EF4ED04F042}" type="datetimeFigureOut">
               <a:rPr kumimoji="1" lang="ja-JP" altLang="en-US" smtClean="0"/>
-              <a:t>2023/11/2</a:t>
+              <a:t>2023/11/3</a:t>
             </a:fld>
             <a:endParaRPr kumimoji="1" lang="ja-JP" altLang="en-US"/>
           </a:p>
@@ -3209,7 +3209,7 @@
           <a:p>
             <a:fld id="{631EE54B-C8F3-4E2F-AEEF-7EF4ED04F042}" type="datetimeFigureOut">
               <a:rPr kumimoji="1" lang="ja-JP" altLang="en-US" smtClean="0"/>
-              <a:t>2023/11/2</a:t>
+              <a:t>2023/11/3</a:t>
             </a:fld>
             <a:endParaRPr kumimoji="1" lang="ja-JP" altLang="en-US"/>
           </a:p>
@@ -5487,8 +5487,8 @@
           <a:p>
             <a:pPr algn="ctr"/>
             <a:r>
-              <a:rPr lang="ja-JP" altLang="en-US" sz="7200" dirty="0">
-                <a:ln w="38100">
+              <a:rPr kumimoji="1" lang="ja-JP" altLang="en-US" sz="7200" dirty="0">
+                <a:ln w="19050">
                   <a:solidFill>
                     <a:schemeClr val="bg1"/>
                   </a:solidFill>
@@ -5497,18 +5497,8 @@
                 <a:ea typeface="Rounded Mplus 1c" panose="020B0502020203020207" pitchFamily="50" charset="-128"/>
                 <a:cs typeface="Rounded Mplus 1c" panose="020B0502020203020207" pitchFamily="50" charset="-128"/>
               </a:rPr>
-              <a:t>ベータ版</a:t>
-            </a:r>
-            <a:endParaRPr kumimoji="1" lang="ja-JP" altLang="en-US" sz="7200" dirty="0">
-              <a:ln w="38100">
-                <a:solidFill>
-                  <a:schemeClr val="bg1"/>
-                </a:solidFill>
-              </a:ln>
-              <a:latin typeface="Rounded Mplus 1c" panose="020B0502020203020207" pitchFamily="50" charset="-128"/>
-              <a:ea typeface="Rounded Mplus 1c" panose="020B0502020203020207" pitchFamily="50" charset="-128"/>
-              <a:cs typeface="Rounded Mplus 1c" panose="020B0502020203020207" pitchFamily="50" charset="-128"/>
-            </a:endParaRPr>
+              <a:t>ガンマ版</a:t>
+            </a:r>
           </a:p>
         </p:txBody>
       </p:sp>

--- a/_tmp/イメージ.pptx
+++ b/_tmp/イメージ.pptx
@@ -18,6 +18,11 @@
     <p:sldId id="266" r:id="rId12"/>
     <p:sldId id="267" r:id="rId13"/>
     <p:sldId id="268" r:id="rId14"/>
+    <p:sldId id="270" r:id="rId15"/>
+    <p:sldId id="269" r:id="rId16"/>
+    <p:sldId id="273" r:id="rId17"/>
+    <p:sldId id="272" r:id="rId18"/>
+    <p:sldId id="271" r:id="rId19"/>
   </p:sldIdLst>
   <p:sldSz cx="12192000" cy="6858000"/>
   <p:notesSz cx="6858000" cy="9144000"/>
@@ -5488,16 +5493,16 @@
             <a:pPr algn="ctr"/>
             <a:r>
               <a:rPr kumimoji="1" lang="ja-JP" altLang="en-US" sz="7200" dirty="0">
-                <a:ln w="19050">
+                <a:ln w="12700">
                   <a:solidFill>
-                    <a:schemeClr val="bg1"/>
+                    <a:srgbClr val="FFFFFF"/>
                   </a:solidFill>
                 </a:ln>
                 <a:latin typeface="Rounded Mplus 1c" panose="020B0502020203020207" pitchFamily="50" charset="-128"/>
                 <a:ea typeface="Rounded Mplus 1c" panose="020B0502020203020207" pitchFamily="50" charset="-128"/>
                 <a:cs typeface="Rounded Mplus 1c" panose="020B0502020203020207" pitchFamily="50" charset="-128"/>
               </a:rPr>
-              <a:t>ガンマ版</a:t>
+              <a:t>デルタ版</a:t>
             </a:r>
           </a:p>
         </p:txBody>
@@ -5506,6 +5511,1594 @@
     <p:extLst>
       <p:ext uri="{BB962C8B-B14F-4D97-AF65-F5344CB8AC3E}">
         <p14:creationId xmlns:p14="http://schemas.microsoft.com/office/powerpoint/2010/main" val="1281683933"/>
+      </p:ext>
+    </p:extLst>
+  </p:cSld>
+  <p:clrMapOvr>
+    <a:masterClrMapping/>
+  </p:clrMapOvr>
+</p:sld>
+</file>
+
+<file path=ppt/slides/slide14.xml><?xml version="1.0" encoding="utf-8"?>
+<p:sld xmlns:a="http://schemas.openxmlformats.org/drawingml/2006/main" xmlns:r="http://schemas.openxmlformats.org/officeDocument/2006/relationships" xmlns:p="http://schemas.openxmlformats.org/presentationml/2006/main">
+  <p:cSld>
+    <p:spTree>
+      <p:nvGrpSpPr>
+        <p:cNvPr id="1" name=""/>
+        <p:cNvGrpSpPr/>
+        <p:nvPr/>
+      </p:nvGrpSpPr>
+      <p:grpSpPr>
+        <a:xfrm>
+          <a:off x="0" y="0"/>
+          <a:ext cx="0" cy="0"/>
+          <a:chOff x="0" y="0"/>
+          <a:chExt cx="0" cy="0"/>
+        </a:xfrm>
+      </p:grpSpPr>
+      <p:sp>
+        <p:nvSpPr>
+          <p:cNvPr id="2" name="正方形/長方形 1">
+            <a:extLst>
+              <a:ext uri="{FF2B5EF4-FFF2-40B4-BE49-F238E27FC236}">
+                <a16:creationId xmlns:a16="http://schemas.microsoft.com/office/drawing/2014/main" id="{14E540FD-7E6D-F7C9-ED73-4259DC4EB027}"/>
+              </a:ext>
+            </a:extLst>
+          </p:cNvPr>
+          <p:cNvSpPr/>
+          <p:nvPr/>
+        </p:nvSpPr>
+        <p:spPr>
+          <a:xfrm>
+            <a:off x="3396000" y="729000"/>
+            <a:ext cx="5400000" cy="5400000"/>
+          </a:xfrm>
+          <a:prstGeom prst="rect">
+            <a:avLst/>
+          </a:prstGeom>
+          <a:solidFill>
+            <a:srgbClr val="FDD978"/>
+          </a:solidFill>
+          <a:ln>
+            <a:noFill/>
+          </a:ln>
+        </p:spPr>
+        <p:style>
+          <a:lnRef idx="2">
+            <a:schemeClr val="accent1">
+              <a:shade val="15000"/>
+            </a:schemeClr>
+          </a:lnRef>
+          <a:fillRef idx="1">
+            <a:schemeClr val="accent1"/>
+          </a:fillRef>
+          <a:effectRef idx="0">
+            <a:schemeClr val="accent1"/>
+          </a:effectRef>
+          <a:fontRef idx="minor">
+            <a:schemeClr val="lt1"/>
+          </a:fontRef>
+        </p:style>
+        <p:txBody>
+          <a:bodyPr rtlCol="0" anchor="ctr"/>
+          <a:lstStyle/>
+          <a:p>
+            <a:pPr algn="ctr"/>
+            <a:endParaRPr kumimoji="1" lang="ja-JP" altLang="en-US"/>
+          </a:p>
+        </p:txBody>
+      </p:sp>
+      <p:sp>
+        <p:nvSpPr>
+          <p:cNvPr id="105" name="フローチャート: 照合 104">
+            <a:extLst>
+              <a:ext uri="{FF2B5EF4-FFF2-40B4-BE49-F238E27FC236}">
+                <a16:creationId xmlns:a16="http://schemas.microsoft.com/office/drawing/2014/main" id="{549586E8-65F8-7BAE-BEE5-EDAC9F6BE087}"/>
+              </a:ext>
+            </a:extLst>
+          </p:cNvPr>
+          <p:cNvSpPr/>
+          <p:nvPr/>
+        </p:nvSpPr>
+        <p:spPr>
+          <a:xfrm rot="900000">
+            <a:off x="5738945" y="375555"/>
+            <a:ext cx="714103" cy="6120000"/>
+          </a:xfrm>
+          <a:prstGeom prst="flowChartCollate">
+            <a:avLst/>
+          </a:prstGeom>
+          <a:solidFill>
+            <a:srgbClr val="FFC66E"/>
+          </a:solidFill>
+          <a:ln>
+            <a:noFill/>
+          </a:ln>
+        </p:spPr>
+        <p:style>
+          <a:lnRef idx="2">
+            <a:schemeClr val="accent1">
+              <a:shade val="15000"/>
+            </a:schemeClr>
+          </a:lnRef>
+          <a:fillRef idx="1">
+            <a:schemeClr val="accent1"/>
+          </a:fillRef>
+          <a:effectRef idx="0">
+            <a:schemeClr val="accent1"/>
+          </a:effectRef>
+          <a:fontRef idx="minor">
+            <a:schemeClr val="lt1"/>
+          </a:fontRef>
+        </p:style>
+        <p:txBody>
+          <a:bodyPr rtlCol="0" anchor="ctr"/>
+          <a:lstStyle/>
+          <a:p>
+            <a:pPr algn="ctr"/>
+            <a:endParaRPr kumimoji="1" lang="ja-JP" altLang="en-US">
+              <a:solidFill>
+                <a:schemeClr val="tx1"/>
+              </a:solidFill>
+            </a:endParaRPr>
+          </a:p>
+        </p:txBody>
+      </p:sp>
+      <p:sp>
+        <p:nvSpPr>
+          <p:cNvPr id="107" name="フローチャート: 照合 106">
+            <a:extLst>
+              <a:ext uri="{FF2B5EF4-FFF2-40B4-BE49-F238E27FC236}">
+                <a16:creationId xmlns:a16="http://schemas.microsoft.com/office/drawing/2014/main" id="{71637BDB-7F7E-F537-ED64-9C2E3155DD47}"/>
+              </a:ext>
+            </a:extLst>
+          </p:cNvPr>
+          <p:cNvSpPr/>
+          <p:nvPr/>
+        </p:nvSpPr>
+        <p:spPr>
+          <a:xfrm rot="2700000">
+            <a:off x="5555998" y="-351001"/>
+            <a:ext cx="1080000" cy="7560000"/>
+          </a:xfrm>
+          <a:prstGeom prst="flowChartCollate">
+            <a:avLst/>
+          </a:prstGeom>
+          <a:solidFill>
+            <a:srgbClr val="FFC66E"/>
+          </a:solidFill>
+          <a:ln>
+            <a:noFill/>
+          </a:ln>
+        </p:spPr>
+        <p:style>
+          <a:lnRef idx="2">
+            <a:schemeClr val="accent1">
+              <a:shade val="15000"/>
+            </a:schemeClr>
+          </a:lnRef>
+          <a:fillRef idx="1">
+            <a:schemeClr val="accent1"/>
+          </a:fillRef>
+          <a:effectRef idx="0">
+            <a:schemeClr val="accent1"/>
+          </a:effectRef>
+          <a:fontRef idx="minor">
+            <a:schemeClr val="lt1"/>
+          </a:fontRef>
+        </p:style>
+        <p:txBody>
+          <a:bodyPr rtlCol="0" anchor="ctr"/>
+          <a:lstStyle/>
+          <a:p>
+            <a:pPr algn="ctr"/>
+            <a:endParaRPr kumimoji="1" lang="ja-JP" altLang="en-US">
+              <a:solidFill>
+                <a:schemeClr val="tx1"/>
+              </a:solidFill>
+            </a:endParaRPr>
+          </a:p>
+        </p:txBody>
+      </p:sp>
+      <p:sp>
+        <p:nvSpPr>
+          <p:cNvPr id="108" name="フローチャート: 照合 107">
+            <a:extLst>
+              <a:ext uri="{FF2B5EF4-FFF2-40B4-BE49-F238E27FC236}">
+                <a16:creationId xmlns:a16="http://schemas.microsoft.com/office/drawing/2014/main" id="{1970EF8C-DB9A-90AC-730D-1D32F2B55B76}"/>
+              </a:ext>
+            </a:extLst>
+          </p:cNvPr>
+          <p:cNvSpPr/>
+          <p:nvPr/>
+        </p:nvSpPr>
+        <p:spPr>
+          <a:xfrm rot="8100000">
+            <a:off x="5555997" y="-351002"/>
+            <a:ext cx="1080000" cy="7560000"/>
+          </a:xfrm>
+          <a:prstGeom prst="flowChartCollate">
+            <a:avLst/>
+          </a:prstGeom>
+          <a:solidFill>
+            <a:srgbClr val="FFC66E"/>
+          </a:solidFill>
+          <a:ln>
+            <a:noFill/>
+          </a:ln>
+        </p:spPr>
+        <p:style>
+          <a:lnRef idx="2">
+            <a:schemeClr val="accent1">
+              <a:shade val="15000"/>
+            </a:schemeClr>
+          </a:lnRef>
+          <a:fillRef idx="1">
+            <a:schemeClr val="accent1"/>
+          </a:fillRef>
+          <a:effectRef idx="0">
+            <a:schemeClr val="accent1"/>
+          </a:effectRef>
+          <a:fontRef idx="minor">
+            <a:schemeClr val="lt1"/>
+          </a:fontRef>
+        </p:style>
+        <p:txBody>
+          <a:bodyPr rtlCol="0" anchor="ctr"/>
+          <a:lstStyle/>
+          <a:p>
+            <a:pPr algn="ctr"/>
+            <a:endParaRPr kumimoji="1" lang="ja-JP" altLang="en-US">
+              <a:solidFill>
+                <a:schemeClr val="tx1"/>
+              </a:solidFill>
+            </a:endParaRPr>
+          </a:p>
+        </p:txBody>
+      </p:sp>
+      <p:sp>
+        <p:nvSpPr>
+          <p:cNvPr id="109" name="フローチャート: 照合 108">
+            <a:extLst>
+              <a:ext uri="{FF2B5EF4-FFF2-40B4-BE49-F238E27FC236}">
+                <a16:creationId xmlns:a16="http://schemas.microsoft.com/office/drawing/2014/main" id="{ACF063C7-3AA4-A74C-6F1B-62C840DE3FB8}"/>
+              </a:ext>
+            </a:extLst>
+          </p:cNvPr>
+          <p:cNvSpPr/>
+          <p:nvPr/>
+        </p:nvSpPr>
+        <p:spPr>
+          <a:xfrm rot="-900000">
+            <a:off x="5738943" y="362441"/>
+            <a:ext cx="714103" cy="6120000"/>
+          </a:xfrm>
+          <a:prstGeom prst="flowChartCollate">
+            <a:avLst/>
+          </a:prstGeom>
+          <a:solidFill>
+            <a:srgbClr val="FFC66E"/>
+          </a:solidFill>
+          <a:ln>
+            <a:noFill/>
+          </a:ln>
+        </p:spPr>
+        <p:style>
+          <a:lnRef idx="2">
+            <a:schemeClr val="accent1">
+              <a:shade val="15000"/>
+            </a:schemeClr>
+          </a:lnRef>
+          <a:fillRef idx="1">
+            <a:schemeClr val="accent1"/>
+          </a:fillRef>
+          <a:effectRef idx="0">
+            <a:schemeClr val="accent1"/>
+          </a:effectRef>
+          <a:fontRef idx="minor">
+            <a:schemeClr val="lt1"/>
+          </a:fontRef>
+        </p:style>
+        <p:txBody>
+          <a:bodyPr rtlCol="0" anchor="ctr"/>
+          <a:lstStyle/>
+          <a:p>
+            <a:pPr algn="ctr"/>
+            <a:endParaRPr kumimoji="1" lang="ja-JP" altLang="en-US">
+              <a:solidFill>
+                <a:schemeClr val="tx1"/>
+              </a:solidFill>
+            </a:endParaRPr>
+          </a:p>
+        </p:txBody>
+      </p:sp>
+      <p:sp>
+        <p:nvSpPr>
+          <p:cNvPr id="110" name="フローチャート: 照合 109">
+            <a:extLst>
+              <a:ext uri="{FF2B5EF4-FFF2-40B4-BE49-F238E27FC236}">
+                <a16:creationId xmlns:a16="http://schemas.microsoft.com/office/drawing/2014/main" id="{0D27700F-3D2F-C864-E1CC-5832B957309D}"/>
+              </a:ext>
+            </a:extLst>
+          </p:cNvPr>
+          <p:cNvSpPr/>
+          <p:nvPr/>
+        </p:nvSpPr>
+        <p:spPr>
+          <a:xfrm rot="4500000">
+            <a:off x="5732387" y="368997"/>
+            <a:ext cx="714103" cy="6120000"/>
+          </a:xfrm>
+          <a:prstGeom prst="flowChartCollate">
+            <a:avLst/>
+          </a:prstGeom>
+          <a:solidFill>
+            <a:srgbClr val="FFC66E"/>
+          </a:solidFill>
+          <a:ln>
+            <a:noFill/>
+          </a:ln>
+        </p:spPr>
+        <p:style>
+          <a:lnRef idx="2">
+            <a:schemeClr val="accent1">
+              <a:shade val="15000"/>
+            </a:schemeClr>
+          </a:lnRef>
+          <a:fillRef idx="1">
+            <a:schemeClr val="accent1"/>
+          </a:fillRef>
+          <a:effectRef idx="0">
+            <a:schemeClr val="accent1"/>
+          </a:effectRef>
+          <a:fontRef idx="minor">
+            <a:schemeClr val="lt1"/>
+          </a:fontRef>
+        </p:style>
+        <p:txBody>
+          <a:bodyPr rtlCol="0" anchor="ctr"/>
+          <a:lstStyle/>
+          <a:p>
+            <a:pPr algn="ctr"/>
+            <a:endParaRPr kumimoji="1" lang="ja-JP" altLang="en-US">
+              <a:solidFill>
+                <a:schemeClr val="tx1"/>
+              </a:solidFill>
+            </a:endParaRPr>
+          </a:p>
+        </p:txBody>
+      </p:sp>
+      <p:sp>
+        <p:nvSpPr>
+          <p:cNvPr id="111" name="フローチャート: 照合 110">
+            <a:extLst>
+              <a:ext uri="{FF2B5EF4-FFF2-40B4-BE49-F238E27FC236}">
+                <a16:creationId xmlns:a16="http://schemas.microsoft.com/office/drawing/2014/main" id="{1057B580-C105-6402-1D41-23A13A4E05E1}"/>
+              </a:ext>
+            </a:extLst>
+          </p:cNvPr>
+          <p:cNvSpPr/>
+          <p:nvPr/>
+        </p:nvSpPr>
+        <p:spPr>
+          <a:xfrm rot="-4500000">
+            <a:off x="5719270" y="355881"/>
+            <a:ext cx="714103" cy="6120000"/>
+          </a:xfrm>
+          <a:prstGeom prst="flowChartCollate">
+            <a:avLst/>
+          </a:prstGeom>
+          <a:solidFill>
+            <a:srgbClr val="FFC66E"/>
+          </a:solidFill>
+          <a:ln>
+            <a:noFill/>
+          </a:ln>
+        </p:spPr>
+        <p:style>
+          <a:lnRef idx="2">
+            <a:schemeClr val="accent1">
+              <a:shade val="15000"/>
+            </a:schemeClr>
+          </a:lnRef>
+          <a:fillRef idx="1">
+            <a:schemeClr val="accent1"/>
+          </a:fillRef>
+          <a:effectRef idx="0">
+            <a:schemeClr val="accent1"/>
+          </a:effectRef>
+          <a:fontRef idx="minor">
+            <a:schemeClr val="lt1"/>
+          </a:fontRef>
+        </p:style>
+        <p:txBody>
+          <a:bodyPr rtlCol="0" anchor="ctr"/>
+          <a:lstStyle/>
+          <a:p>
+            <a:pPr algn="ctr"/>
+            <a:endParaRPr kumimoji="1" lang="ja-JP" altLang="en-US">
+              <a:solidFill>
+                <a:schemeClr val="tx1"/>
+              </a:solidFill>
+            </a:endParaRPr>
+          </a:p>
+        </p:txBody>
+      </p:sp>
+    </p:spTree>
+    <p:extLst>
+      <p:ext uri="{BB962C8B-B14F-4D97-AF65-F5344CB8AC3E}">
+        <p14:creationId xmlns:p14="http://schemas.microsoft.com/office/powerpoint/2010/main" val="4179820668"/>
+      </p:ext>
+    </p:extLst>
+  </p:cSld>
+  <p:clrMapOvr>
+    <a:masterClrMapping/>
+  </p:clrMapOvr>
+</p:sld>
+</file>
+
+<file path=ppt/slides/slide15.xml><?xml version="1.0" encoding="utf-8"?>
+<p:sld xmlns:a="http://schemas.openxmlformats.org/drawingml/2006/main" xmlns:r="http://schemas.openxmlformats.org/officeDocument/2006/relationships" xmlns:p="http://schemas.openxmlformats.org/presentationml/2006/main">
+  <p:cSld>
+    <p:spTree>
+      <p:nvGrpSpPr>
+        <p:cNvPr id="1" name=""/>
+        <p:cNvGrpSpPr/>
+        <p:nvPr/>
+      </p:nvGrpSpPr>
+      <p:grpSpPr>
+        <a:xfrm>
+          <a:off x="0" y="0"/>
+          <a:ext cx="0" cy="0"/>
+          <a:chOff x="0" y="0"/>
+          <a:chExt cx="0" cy="0"/>
+        </a:xfrm>
+      </p:grpSpPr>
+      <p:pic>
+        <p:nvPicPr>
+          <p:cNvPr id="17" name="図 16" descr="シーン, 傘 が含まれている画像&#10;&#10;自動的に生成された説明">
+            <a:extLst>
+              <a:ext uri="{FF2B5EF4-FFF2-40B4-BE49-F238E27FC236}">
+                <a16:creationId xmlns:a16="http://schemas.microsoft.com/office/drawing/2014/main" id="{9C533349-275D-AB4B-373A-1F4470C0EF0C}"/>
+              </a:ext>
+            </a:extLst>
+          </p:cNvPr>
+          <p:cNvPicPr>
+            <a:picLocks noChangeAspect="1"/>
+          </p:cNvPicPr>
+          <p:nvPr/>
+        </p:nvPicPr>
+        <p:blipFill>
+          <a:blip r:embed="rId2">
+            <a:extLst>
+              <a:ext uri="{28A0092B-C50C-407E-A947-70E740481C1C}">
+                <a14:useLocalDpi xmlns:a14="http://schemas.microsoft.com/office/drawing/2010/main" val="0"/>
+              </a:ext>
+            </a:extLst>
+          </a:blip>
+          <a:stretch>
+            <a:fillRect/>
+          </a:stretch>
+        </p:blipFill>
+        <p:spPr>
+          <a:xfrm>
+            <a:off x="3396000" y="715624"/>
+            <a:ext cx="5400000" cy="5400000"/>
+          </a:xfrm>
+          <a:prstGeom prst="rect">
+            <a:avLst/>
+          </a:prstGeom>
+        </p:spPr>
+      </p:pic>
+      <p:pic>
+        <p:nvPicPr>
+          <p:cNvPr id="3" name="図 2" descr="ロゴ&#10;&#10;自動的に生成された説明">
+            <a:extLst>
+              <a:ext uri="{FF2B5EF4-FFF2-40B4-BE49-F238E27FC236}">
+                <a16:creationId xmlns:a16="http://schemas.microsoft.com/office/drawing/2014/main" id="{DA0CD337-EA46-3C4A-8527-45EC712436DD}"/>
+              </a:ext>
+            </a:extLst>
+          </p:cNvPr>
+          <p:cNvPicPr>
+            <a:picLocks noChangeAspect="1"/>
+          </p:cNvPicPr>
+          <p:nvPr/>
+        </p:nvPicPr>
+        <p:blipFill>
+          <a:blip r:embed="rId3">
+            <a:extLst>
+              <a:ext uri="{28A0092B-C50C-407E-A947-70E740481C1C}">
+                <a14:useLocalDpi xmlns:a14="http://schemas.microsoft.com/office/drawing/2010/main" val="0"/>
+              </a:ext>
+            </a:extLst>
+          </a:blip>
+          <a:stretch>
+            <a:fillRect/>
+          </a:stretch>
+        </p:blipFill>
+        <p:spPr>
+          <a:xfrm>
+            <a:off x="3524247" y="904874"/>
+            <a:ext cx="5143503" cy="1543051"/>
+          </a:xfrm>
+          <a:prstGeom prst="rect">
+            <a:avLst/>
+          </a:prstGeom>
+        </p:spPr>
+      </p:pic>
+      <p:sp>
+        <p:nvSpPr>
+          <p:cNvPr id="22" name="楕円 21">
+            <a:extLst>
+              <a:ext uri="{FF2B5EF4-FFF2-40B4-BE49-F238E27FC236}">
+                <a16:creationId xmlns:a16="http://schemas.microsoft.com/office/drawing/2014/main" id="{95D2596C-33BD-97C1-094F-993F624DD4F2}"/>
+              </a:ext>
+            </a:extLst>
+          </p:cNvPr>
+          <p:cNvSpPr/>
+          <p:nvPr/>
+        </p:nvSpPr>
+        <p:spPr>
+          <a:xfrm>
+            <a:off x="4745719" y="2222678"/>
+            <a:ext cx="2700000" cy="2700000"/>
+          </a:xfrm>
+          <a:prstGeom prst="ellipse">
+            <a:avLst/>
+          </a:prstGeom>
+          <a:solidFill>
+            <a:schemeClr val="bg1"/>
+          </a:solidFill>
+          <a:ln>
+            <a:noFill/>
+          </a:ln>
+          <a:effectLst>
+            <a:outerShdw blurRad="63500" sx="110000" sy="110000" algn="ctr" rotWithShape="0">
+              <a:schemeClr val="bg1">
+                <a:alpha val="80000"/>
+              </a:schemeClr>
+            </a:outerShdw>
+          </a:effectLst>
+        </p:spPr>
+        <p:style>
+          <a:lnRef idx="2">
+            <a:schemeClr val="accent1">
+              <a:shade val="15000"/>
+            </a:schemeClr>
+          </a:lnRef>
+          <a:fillRef idx="1">
+            <a:schemeClr val="accent1"/>
+          </a:fillRef>
+          <a:effectRef idx="0">
+            <a:schemeClr val="accent1"/>
+          </a:effectRef>
+          <a:fontRef idx="minor">
+            <a:schemeClr val="lt1"/>
+          </a:fontRef>
+        </p:style>
+        <p:txBody>
+          <a:bodyPr rtlCol="0" anchor="ctr"/>
+          <a:lstStyle/>
+          <a:p>
+            <a:pPr algn="ctr"/>
+            <a:endParaRPr kumimoji="1" lang="ja-JP" altLang="en-US"/>
+          </a:p>
+        </p:txBody>
+      </p:sp>
+      <p:pic>
+        <p:nvPicPr>
+          <p:cNvPr id="7" name="図 6" descr="アイコン&#10;&#10;自動的に生成された説明">
+            <a:extLst>
+              <a:ext uri="{FF2B5EF4-FFF2-40B4-BE49-F238E27FC236}">
+                <a16:creationId xmlns:a16="http://schemas.microsoft.com/office/drawing/2014/main" id="{27A9A2A0-4FA2-7E48-47F9-0B19D9623BC0}"/>
+              </a:ext>
+            </a:extLst>
+          </p:cNvPr>
+          <p:cNvPicPr>
+            <a:picLocks noChangeAspect="1"/>
+          </p:cNvPicPr>
+          <p:nvPr/>
+        </p:nvPicPr>
+        <p:blipFill>
+          <a:blip r:embed="rId4">
+            <a:extLst>
+              <a:ext uri="{28A0092B-C50C-407E-A947-70E740481C1C}">
+                <a14:useLocalDpi xmlns:a14="http://schemas.microsoft.com/office/drawing/2010/main" val="0"/>
+              </a:ext>
+            </a:extLst>
+          </a:blip>
+          <a:stretch>
+            <a:fillRect/>
+          </a:stretch>
+        </p:blipFill>
+        <p:spPr>
+          <a:xfrm rot="20600713">
+            <a:off x="7742074" y="2630207"/>
+            <a:ext cx="900000" cy="900000"/>
+          </a:xfrm>
+          <a:prstGeom prst="rect">
+            <a:avLst/>
+          </a:prstGeom>
+        </p:spPr>
+      </p:pic>
+      <p:pic>
+        <p:nvPicPr>
+          <p:cNvPr id="9" name="図 8" descr="アイコン&#10;&#10;自動的に生成された説明">
+            <a:extLst>
+              <a:ext uri="{FF2B5EF4-FFF2-40B4-BE49-F238E27FC236}">
+                <a16:creationId xmlns:a16="http://schemas.microsoft.com/office/drawing/2014/main" id="{981C66B5-A167-9194-0DE6-688818E79018}"/>
+              </a:ext>
+            </a:extLst>
+          </p:cNvPr>
+          <p:cNvPicPr>
+            <a:picLocks noChangeAspect="1"/>
+          </p:cNvPicPr>
+          <p:nvPr/>
+        </p:nvPicPr>
+        <p:blipFill>
+          <a:blip r:embed="rId5">
+            <a:extLst>
+              <a:ext uri="{28A0092B-C50C-407E-A947-70E740481C1C}">
+                <a14:useLocalDpi xmlns:a14="http://schemas.microsoft.com/office/drawing/2010/main" val="0"/>
+              </a:ext>
+            </a:extLst>
+          </a:blip>
+          <a:stretch>
+            <a:fillRect/>
+          </a:stretch>
+        </p:blipFill>
+        <p:spPr>
+          <a:xfrm>
+            <a:off x="3524246" y="4439366"/>
+            <a:ext cx="1260000" cy="1260000"/>
+          </a:xfrm>
+          <a:prstGeom prst="rect">
+            <a:avLst/>
+          </a:prstGeom>
+        </p:spPr>
+      </p:pic>
+      <p:pic>
+        <p:nvPicPr>
+          <p:cNvPr id="11" name="図 10" descr="黒い背景に白い文字がある&#10;&#10;低い精度で自動的に生成された説明">
+            <a:extLst>
+              <a:ext uri="{FF2B5EF4-FFF2-40B4-BE49-F238E27FC236}">
+                <a16:creationId xmlns:a16="http://schemas.microsoft.com/office/drawing/2014/main" id="{37AF86B6-3295-9E00-D291-C39E350EDEA6}"/>
+              </a:ext>
+            </a:extLst>
+          </p:cNvPr>
+          <p:cNvPicPr>
+            <a:picLocks noChangeAspect="1"/>
+          </p:cNvPicPr>
+          <p:nvPr/>
+        </p:nvPicPr>
+        <p:blipFill>
+          <a:blip r:embed="rId6">
+            <a:extLst>
+              <a:ext uri="{28A0092B-C50C-407E-A947-70E740481C1C}">
+                <a14:useLocalDpi xmlns:a14="http://schemas.microsoft.com/office/drawing/2010/main" val="0"/>
+              </a:ext>
+            </a:extLst>
+          </a:blip>
+          <a:stretch>
+            <a:fillRect/>
+          </a:stretch>
+        </p:blipFill>
+        <p:spPr>
+          <a:xfrm rot="1575856">
+            <a:off x="3642710" y="2602581"/>
+            <a:ext cx="720000" cy="720000"/>
+          </a:xfrm>
+          <a:prstGeom prst="rect">
+            <a:avLst/>
+          </a:prstGeom>
+        </p:spPr>
+      </p:pic>
+      <p:pic>
+        <p:nvPicPr>
+          <p:cNvPr id="13" name="図 12" descr="アイコン&#10;&#10;自動的に生成された説明">
+            <a:extLst>
+              <a:ext uri="{FF2B5EF4-FFF2-40B4-BE49-F238E27FC236}">
+                <a16:creationId xmlns:a16="http://schemas.microsoft.com/office/drawing/2014/main" id="{BD239880-2E09-2C37-A64D-DE0780574B26}"/>
+              </a:ext>
+            </a:extLst>
+          </p:cNvPr>
+          <p:cNvPicPr>
+            <a:picLocks noChangeAspect="1"/>
+          </p:cNvPicPr>
+          <p:nvPr/>
+        </p:nvPicPr>
+        <p:blipFill>
+          <a:blip r:embed="rId7">
+            <a:extLst>
+              <a:ext uri="{28A0092B-C50C-407E-A947-70E740481C1C}">
+                <a14:useLocalDpi xmlns:a14="http://schemas.microsoft.com/office/drawing/2010/main" val="0"/>
+              </a:ext>
+            </a:extLst>
+          </a:blip>
+          <a:stretch>
+            <a:fillRect/>
+          </a:stretch>
+        </p:blipFill>
+        <p:spPr>
+          <a:xfrm rot="19339526">
+            <a:off x="7337642" y="4621947"/>
+            <a:ext cx="1080000" cy="1080000"/>
+          </a:xfrm>
+          <a:prstGeom prst="rect">
+            <a:avLst/>
+          </a:prstGeom>
+        </p:spPr>
+      </p:pic>
+      <p:pic>
+        <p:nvPicPr>
+          <p:cNvPr id="30" name="図 29" descr="光 が含まれている画像&#10;&#10;自動的に生成された説明">
+            <a:extLst>
+              <a:ext uri="{FF2B5EF4-FFF2-40B4-BE49-F238E27FC236}">
+                <a16:creationId xmlns:a16="http://schemas.microsoft.com/office/drawing/2014/main" id="{517AFA1D-5859-A176-0C7B-70DE4E98468D}"/>
+              </a:ext>
+            </a:extLst>
+          </p:cNvPr>
+          <p:cNvPicPr>
+            <a:picLocks noChangeAspect="1"/>
+          </p:cNvPicPr>
+          <p:nvPr/>
+        </p:nvPicPr>
+        <p:blipFill rotWithShape="1">
+          <a:blip r:embed="rId8">
+            <a:extLst>
+              <a:ext uri="{28A0092B-C50C-407E-A947-70E740481C1C}">
+                <a14:useLocalDpi xmlns:a14="http://schemas.microsoft.com/office/drawing/2010/main" val="0"/>
+              </a:ext>
+            </a:extLst>
+          </a:blip>
+          <a:srcRect t="36950"/>
+          <a:stretch/>
+        </p:blipFill>
+        <p:spPr>
+          <a:xfrm>
+            <a:off x="3665360" y="715624"/>
+            <a:ext cx="756466" cy="681365"/>
+          </a:xfrm>
+          <a:prstGeom prst="rect">
+            <a:avLst/>
+          </a:prstGeom>
+        </p:spPr>
+      </p:pic>
+      <p:pic>
+        <p:nvPicPr>
+          <p:cNvPr id="31" name="図 30" descr="光 が含まれている画像&#10;&#10;自動的に生成された説明">
+            <a:extLst>
+              <a:ext uri="{FF2B5EF4-FFF2-40B4-BE49-F238E27FC236}">
+                <a16:creationId xmlns:a16="http://schemas.microsoft.com/office/drawing/2014/main" id="{C3201E0D-26F2-30A5-67E8-59E699062A7F}"/>
+              </a:ext>
+            </a:extLst>
+          </p:cNvPr>
+          <p:cNvPicPr>
+            <a:picLocks noChangeAspect="1"/>
+          </p:cNvPicPr>
+          <p:nvPr/>
+        </p:nvPicPr>
+        <p:blipFill rotWithShape="1">
+          <a:blip r:embed="rId8">
+            <a:extLst>
+              <a:ext uri="{28A0092B-C50C-407E-A947-70E740481C1C}">
+                <a14:useLocalDpi xmlns:a14="http://schemas.microsoft.com/office/drawing/2010/main" val="0"/>
+              </a:ext>
+            </a:extLst>
+          </a:blip>
+          <a:srcRect t="19541" b="-1"/>
+          <a:stretch/>
+        </p:blipFill>
+        <p:spPr>
+          <a:xfrm>
+            <a:off x="8025123" y="715624"/>
+            <a:ext cx="756466" cy="869486"/>
+          </a:xfrm>
+          <a:prstGeom prst="rect">
+            <a:avLst/>
+          </a:prstGeom>
+        </p:spPr>
+      </p:pic>
+      <p:pic>
+        <p:nvPicPr>
+          <p:cNvPr id="32" name="図 31" descr="光 が含まれている画像&#10;&#10;自動的に生成された説明">
+            <a:extLst>
+              <a:ext uri="{FF2B5EF4-FFF2-40B4-BE49-F238E27FC236}">
+                <a16:creationId xmlns:a16="http://schemas.microsoft.com/office/drawing/2014/main" id="{97318450-B7C2-1DDD-29FB-0E93C30B1B88}"/>
+              </a:ext>
+            </a:extLst>
+          </p:cNvPr>
+          <p:cNvPicPr>
+            <a:picLocks noChangeAspect="1"/>
+          </p:cNvPicPr>
+          <p:nvPr/>
+        </p:nvPicPr>
+        <p:blipFill>
+          <a:blip r:embed="rId8">
+            <a:extLst>
+              <a:ext uri="{28A0092B-C50C-407E-A947-70E740481C1C}">
+                <a14:useLocalDpi xmlns:a14="http://schemas.microsoft.com/office/drawing/2010/main" val="0"/>
+              </a:ext>
+            </a:extLst>
+          </a:blip>
+          <a:stretch>
+            <a:fillRect/>
+          </a:stretch>
+        </p:blipFill>
+        <p:spPr>
+          <a:xfrm>
+            <a:off x="3416963" y="3870829"/>
+            <a:ext cx="478680" cy="683828"/>
+          </a:xfrm>
+          <a:prstGeom prst="rect">
+            <a:avLst/>
+          </a:prstGeom>
+        </p:spPr>
+      </p:pic>
+      <p:pic>
+        <p:nvPicPr>
+          <p:cNvPr id="33" name="図 32" descr="光 が含まれている画像&#10;&#10;自動的に生成された説明">
+            <a:extLst>
+              <a:ext uri="{FF2B5EF4-FFF2-40B4-BE49-F238E27FC236}">
+                <a16:creationId xmlns:a16="http://schemas.microsoft.com/office/drawing/2014/main" id="{6E08AF0D-783F-288D-56D1-C819C9A12BD8}"/>
+              </a:ext>
+            </a:extLst>
+          </p:cNvPr>
+          <p:cNvPicPr>
+            <a:picLocks noChangeAspect="1"/>
+          </p:cNvPicPr>
+          <p:nvPr/>
+        </p:nvPicPr>
+        <p:blipFill rotWithShape="1">
+          <a:blip r:embed="rId8">
+            <a:extLst>
+              <a:ext uri="{28A0092B-C50C-407E-A947-70E740481C1C}">
+                <a14:useLocalDpi xmlns:a14="http://schemas.microsoft.com/office/drawing/2010/main" val="0"/>
+              </a:ext>
+            </a:extLst>
+          </a:blip>
+          <a:srcRect b="25716"/>
+          <a:stretch/>
+        </p:blipFill>
+        <p:spPr>
+          <a:xfrm>
+            <a:off x="4604435" y="5401215"/>
+            <a:ext cx="673209" cy="714409"/>
+          </a:xfrm>
+          <a:prstGeom prst="rect">
+            <a:avLst/>
+          </a:prstGeom>
+        </p:spPr>
+      </p:pic>
+      <p:pic>
+        <p:nvPicPr>
+          <p:cNvPr id="34" name="図 33" descr="光 が含まれている画像&#10;&#10;自動的に生成された説明">
+            <a:extLst>
+              <a:ext uri="{FF2B5EF4-FFF2-40B4-BE49-F238E27FC236}">
+                <a16:creationId xmlns:a16="http://schemas.microsoft.com/office/drawing/2014/main" id="{C627784C-2721-7C15-104C-1E1997C0C207}"/>
+              </a:ext>
+            </a:extLst>
+          </p:cNvPr>
+          <p:cNvPicPr>
+            <a:picLocks noChangeAspect="1"/>
+          </p:cNvPicPr>
+          <p:nvPr/>
+        </p:nvPicPr>
+        <p:blipFill rotWithShape="1">
+          <a:blip r:embed="rId8">
+            <a:extLst>
+              <a:ext uri="{28A0092B-C50C-407E-A947-70E740481C1C}">
+                <a14:useLocalDpi xmlns:a14="http://schemas.microsoft.com/office/drawing/2010/main" val="0"/>
+              </a:ext>
+            </a:extLst>
+          </a:blip>
+          <a:srcRect b="26468"/>
+          <a:stretch/>
+        </p:blipFill>
+        <p:spPr>
+          <a:xfrm>
+            <a:off x="6947008" y="5629870"/>
+            <a:ext cx="462423" cy="485754"/>
+          </a:xfrm>
+          <a:prstGeom prst="rect">
+            <a:avLst/>
+          </a:prstGeom>
+        </p:spPr>
+      </p:pic>
+      <p:pic>
+        <p:nvPicPr>
+          <p:cNvPr id="35" name="図 34" descr="光 が含まれている画像&#10;&#10;自動的に生成された説明">
+            <a:extLst>
+              <a:ext uri="{FF2B5EF4-FFF2-40B4-BE49-F238E27FC236}">
+                <a16:creationId xmlns:a16="http://schemas.microsoft.com/office/drawing/2014/main" id="{9533D3F0-E380-14DA-14D6-F7CFB629F3C4}"/>
+              </a:ext>
+            </a:extLst>
+          </p:cNvPr>
+          <p:cNvPicPr>
+            <a:picLocks noChangeAspect="1"/>
+          </p:cNvPicPr>
+          <p:nvPr/>
+        </p:nvPicPr>
+        <p:blipFill>
+          <a:blip r:embed="rId8">
+            <a:extLst>
+              <a:ext uri="{28A0092B-C50C-407E-A947-70E740481C1C}">
+                <a14:useLocalDpi xmlns:a14="http://schemas.microsoft.com/office/drawing/2010/main" val="0"/>
+              </a:ext>
+            </a:extLst>
+          </a:blip>
+          <a:stretch>
+            <a:fillRect/>
+          </a:stretch>
+        </p:blipFill>
+        <p:spPr>
+          <a:xfrm>
+            <a:off x="7300518" y="2219310"/>
+            <a:ext cx="342824" cy="489748"/>
+          </a:xfrm>
+          <a:prstGeom prst="rect">
+            <a:avLst/>
+          </a:prstGeom>
+        </p:spPr>
+      </p:pic>
+      <p:pic>
+        <p:nvPicPr>
+          <p:cNvPr id="52" name="図 51" descr="アイコン&#10;&#10;自動的に生成された説明">
+            <a:extLst>
+              <a:ext uri="{FF2B5EF4-FFF2-40B4-BE49-F238E27FC236}">
+                <a16:creationId xmlns:a16="http://schemas.microsoft.com/office/drawing/2014/main" id="{D156C2B5-5CB7-C98A-A2E4-7525C5312290}"/>
+              </a:ext>
+            </a:extLst>
+          </p:cNvPr>
+          <p:cNvPicPr>
+            <a:picLocks noChangeAspect="1"/>
+          </p:cNvPicPr>
+          <p:nvPr/>
+        </p:nvPicPr>
+        <p:blipFill>
+          <a:blip r:embed="rId9">
+            <a:extLst>
+              <a:ext uri="{28A0092B-C50C-407E-A947-70E740481C1C}">
+                <a14:useLocalDpi xmlns:a14="http://schemas.microsoft.com/office/drawing/2010/main" val="0"/>
+              </a:ext>
+            </a:extLst>
+          </a:blip>
+          <a:stretch>
+            <a:fillRect/>
+          </a:stretch>
+        </p:blipFill>
+        <p:spPr>
+          <a:xfrm>
+            <a:off x="4835719" y="2312678"/>
+            <a:ext cx="2520000" cy="2520000"/>
+          </a:xfrm>
+          <a:prstGeom prst="rect">
+            <a:avLst/>
+          </a:prstGeom>
+        </p:spPr>
+      </p:pic>
+      <p:pic>
+        <p:nvPicPr>
+          <p:cNvPr id="54" name="図 53" descr="アイコン&#10;&#10;自動的に生成された説明">
+            <a:extLst>
+              <a:ext uri="{FF2B5EF4-FFF2-40B4-BE49-F238E27FC236}">
+                <a16:creationId xmlns:a16="http://schemas.microsoft.com/office/drawing/2014/main" id="{EF484482-5791-A2CA-4CEB-AFFA19E7C70C}"/>
+              </a:ext>
+            </a:extLst>
+          </p:cNvPr>
+          <p:cNvPicPr>
+            <a:picLocks noChangeAspect="1"/>
+          </p:cNvPicPr>
+          <p:nvPr/>
+        </p:nvPicPr>
+        <p:blipFill>
+          <a:blip r:embed="rId10">
+            <a:extLst>
+              <a:ext uri="{28A0092B-C50C-407E-A947-70E740481C1C}">
+                <a14:useLocalDpi xmlns:a14="http://schemas.microsoft.com/office/drawing/2010/main" val="0"/>
+              </a:ext>
+            </a:extLst>
+          </a:blip>
+          <a:stretch>
+            <a:fillRect/>
+          </a:stretch>
+        </p:blipFill>
+        <p:spPr>
+          <a:xfrm>
+            <a:off x="5825719" y="5249151"/>
+            <a:ext cx="540000" cy="540000"/>
+          </a:xfrm>
+          <a:prstGeom prst="rect">
+            <a:avLst/>
+          </a:prstGeom>
+        </p:spPr>
+      </p:pic>
+    </p:spTree>
+    <p:extLst>
+      <p:ext uri="{BB962C8B-B14F-4D97-AF65-F5344CB8AC3E}">
+        <p14:creationId xmlns:p14="http://schemas.microsoft.com/office/powerpoint/2010/main" val="3164144356"/>
+      </p:ext>
+    </p:extLst>
+  </p:cSld>
+  <p:clrMapOvr>
+    <a:masterClrMapping/>
+  </p:clrMapOvr>
+</p:sld>
+</file>
+
+<file path=ppt/slides/slide16.xml><?xml version="1.0" encoding="utf-8"?>
+<p:sld xmlns:a="http://schemas.openxmlformats.org/drawingml/2006/main" xmlns:r="http://schemas.openxmlformats.org/officeDocument/2006/relationships" xmlns:p="http://schemas.openxmlformats.org/presentationml/2006/main">
+  <p:cSld>
+    <p:spTree>
+      <p:nvGrpSpPr>
+        <p:cNvPr id="1" name=""/>
+        <p:cNvGrpSpPr/>
+        <p:nvPr/>
+      </p:nvGrpSpPr>
+      <p:grpSpPr>
+        <a:xfrm>
+          <a:off x="0" y="0"/>
+          <a:ext cx="0" cy="0"/>
+          <a:chOff x="0" y="0"/>
+          <a:chExt cx="0" cy="0"/>
+        </a:xfrm>
+      </p:grpSpPr>
+      <p:sp>
+        <p:nvSpPr>
+          <p:cNvPr id="2" name="正方形/長方形 1">
+            <a:extLst>
+              <a:ext uri="{FF2B5EF4-FFF2-40B4-BE49-F238E27FC236}">
+                <a16:creationId xmlns:a16="http://schemas.microsoft.com/office/drawing/2014/main" id="{92E2B715-3D46-EE2B-F2A2-6BDCA4C0E274}"/>
+              </a:ext>
+            </a:extLst>
+          </p:cNvPr>
+          <p:cNvSpPr/>
+          <p:nvPr/>
+        </p:nvSpPr>
+        <p:spPr>
+          <a:xfrm>
+            <a:off x="3396000" y="729000"/>
+            <a:ext cx="5400000" cy="5400000"/>
+          </a:xfrm>
+          <a:prstGeom prst="rect">
+            <a:avLst/>
+          </a:prstGeom>
+          <a:solidFill>
+            <a:schemeClr val="accent2"/>
+          </a:solidFill>
+          <a:ln>
+            <a:noFill/>
+          </a:ln>
+          <a:effectLst>
+            <a:outerShdw blurRad="63500" sx="120000" sy="120000" algn="ctr" rotWithShape="0">
+              <a:schemeClr val="bg1">
+                <a:alpha val="50000"/>
+              </a:schemeClr>
+            </a:outerShdw>
+          </a:effectLst>
+        </p:spPr>
+        <p:style>
+          <a:lnRef idx="2">
+            <a:schemeClr val="accent1">
+              <a:shade val="15000"/>
+            </a:schemeClr>
+          </a:lnRef>
+          <a:fillRef idx="1">
+            <a:schemeClr val="accent1"/>
+          </a:fillRef>
+          <a:effectRef idx="0">
+            <a:schemeClr val="accent1"/>
+          </a:effectRef>
+          <a:fontRef idx="minor">
+            <a:schemeClr val="lt1"/>
+          </a:fontRef>
+        </p:style>
+        <p:txBody>
+          <a:bodyPr rtlCol="0" anchor="ctr"/>
+          <a:lstStyle/>
+          <a:p>
+            <a:pPr algn="ctr"/>
+            <a:endParaRPr kumimoji="1" lang="ja-JP" altLang="en-US" dirty="0"/>
+          </a:p>
+        </p:txBody>
+      </p:sp>
+      <p:sp>
+        <p:nvSpPr>
+          <p:cNvPr id="3" name="正方形/長方形 2">
+            <a:extLst>
+              <a:ext uri="{FF2B5EF4-FFF2-40B4-BE49-F238E27FC236}">
+                <a16:creationId xmlns:a16="http://schemas.microsoft.com/office/drawing/2014/main" id="{AECEFFA6-49D3-D1CA-E3A8-E1C238CDCF62}"/>
+              </a:ext>
+            </a:extLst>
+          </p:cNvPr>
+          <p:cNvSpPr/>
+          <p:nvPr/>
+        </p:nvSpPr>
+        <p:spPr>
+          <a:xfrm>
+            <a:off x="3936000" y="1269000"/>
+            <a:ext cx="4320000" cy="4320000"/>
+          </a:xfrm>
+          <a:prstGeom prst="rect">
+            <a:avLst/>
+          </a:prstGeom>
+          <a:solidFill>
+            <a:schemeClr val="bg1"/>
+          </a:solidFill>
+          <a:ln>
+            <a:noFill/>
+          </a:ln>
+          <a:effectLst/>
+        </p:spPr>
+        <p:style>
+          <a:lnRef idx="2">
+            <a:schemeClr val="accent1">
+              <a:shade val="15000"/>
+            </a:schemeClr>
+          </a:lnRef>
+          <a:fillRef idx="1">
+            <a:schemeClr val="accent1"/>
+          </a:fillRef>
+          <a:effectRef idx="0">
+            <a:schemeClr val="accent1"/>
+          </a:effectRef>
+          <a:fontRef idx="minor">
+            <a:schemeClr val="lt1"/>
+          </a:fontRef>
+        </p:style>
+        <p:txBody>
+          <a:bodyPr rtlCol="0" anchor="ctr"/>
+          <a:lstStyle/>
+          <a:p>
+            <a:pPr algn="ctr"/>
+            <a:endParaRPr kumimoji="1" lang="ja-JP" altLang="en-US" dirty="0"/>
+          </a:p>
+        </p:txBody>
+      </p:sp>
+      <p:pic>
+        <p:nvPicPr>
+          <p:cNvPr id="4" name="図 3" descr="アイコン&#10;&#10;自動的に生成された説明">
+            <a:extLst>
+              <a:ext uri="{FF2B5EF4-FFF2-40B4-BE49-F238E27FC236}">
+                <a16:creationId xmlns:a16="http://schemas.microsoft.com/office/drawing/2014/main" id="{C0EF826C-9BF6-C96D-DAF1-6CAB211E8877}"/>
+              </a:ext>
+            </a:extLst>
+          </p:cNvPr>
+          <p:cNvPicPr>
+            <a:picLocks noChangeAspect="1"/>
+          </p:cNvPicPr>
+          <p:nvPr/>
+        </p:nvPicPr>
+        <p:blipFill>
+          <a:blip r:embed="rId2">
+            <a:extLst>
+              <a:ext uri="{28A0092B-C50C-407E-A947-70E740481C1C}">
+                <a14:useLocalDpi xmlns:a14="http://schemas.microsoft.com/office/drawing/2010/main" val="0"/>
+              </a:ext>
+            </a:extLst>
+          </a:blip>
+          <a:stretch>
+            <a:fillRect/>
+          </a:stretch>
+        </p:blipFill>
+        <p:spPr>
+          <a:xfrm>
+            <a:off x="4296000" y="1629000"/>
+            <a:ext cx="3600000" cy="3600000"/>
+          </a:xfrm>
+          <a:prstGeom prst="rect">
+            <a:avLst/>
+          </a:prstGeom>
+        </p:spPr>
+      </p:pic>
+    </p:spTree>
+    <p:extLst>
+      <p:ext uri="{BB962C8B-B14F-4D97-AF65-F5344CB8AC3E}">
+        <p14:creationId xmlns:p14="http://schemas.microsoft.com/office/powerpoint/2010/main" val="1161493249"/>
+      </p:ext>
+    </p:extLst>
+  </p:cSld>
+  <p:clrMapOvr>
+    <a:masterClrMapping/>
+  </p:clrMapOvr>
+</p:sld>
+</file>
+
+<file path=ppt/slides/slide17.xml><?xml version="1.0" encoding="utf-8"?>
+<p:sld xmlns:a="http://schemas.openxmlformats.org/drawingml/2006/main" xmlns:r="http://schemas.openxmlformats.org/officeDocument/2006/relationships" xmlns:p="http://schemas.openxmlformats.org/presentationml/2006/main">
+  <p:cSld>
+    <p:spTree>
+      <p:nvGrpSpPr>
+        <p:cNvPr id="1" name=""/>
+        <p:cNvGrpSpPr/>
+        <p:nvPr/>
+      </p:nvGrpSpPr>
+      <p:grpSpPr>
+        <a:xfrm>
+          <a:off x="0" y="0"/>
+          <a:ext cx="0" cy="0"/>
+          <a:chOff x="0" y="0"/>
+          <a:chExt cx="0" cy="0"/>
+        </a:xfrm>
+      </p:grpSpPr>
+      <p:pic>
+        <p:nvPicPr>
+          <p:cNvPr id="17" name="図 16" descr="シーン, 傘 が含まれている画像&#10;&#10;自動的に生成された説明">
+            <a:extLst>
+              <a:ext uri="{FF2B5EF4-FFF2-40B4-BE49-F238E27FC236}">
+                <a16:creationId xmlns:a16="http://schemas.microsoft.com/office/drawing/2014/main" id="{9C533349-275D-AB4B-373A-1F4470C0EF0C}"/>
+              </a:ext>
+            </a:extLst>
+          </p:cNvPr>
+          <p:cNvPicPr>
+            <a:picLocks noChangeAspect="1"/>
+          </p:cNvPicPr>
+          <p:nvPr/>
+        </p:nvPicPr>
+        <p:blipFill>
+          <a:blip r:embed="rId2">
+            <a:extLst>
+              <a:ext uri="{28A0092B-C50C-407E-A947-70E740481C1C}">
+                <a14:useLocalDpi xmlns:a14="http://schemas.microsoft.com/office/drawing/2010/main" val="0"/>
+              </a:ext>
+            </a:extLst>
+          </a:blip>
+          <a:stretch>
+            <a:fillRect/>
+          </a:stretch>
+        </p:blipFill>
+        <p:spPr>
+          <a:xfrm>
+            <a:off x="3396000" y="715624"/>
+            <a:ext cx="5400000" cy="5400000"/>
+          </a:xfrm>
+          <a:prstGeom prst="rect">
+            <a:avLst/>
+          </a:prstGeom>
+        </p:spPr>
+      </p:pic>
+      <p:sp>
+        <p:nvSpPr>
+          <p:cNvPr id="22" name="楕円 21">
+            <a:extLst>
+              <a:ext uri="{FF2B5EF4-FFF2-40B4-BE49-F238E27FC236}">
+                <a16:creationId xmlns:a16="http://schemas.microsoft.com/office/drawing/2014/main" id="{95D2596C-33BD-97C1-094F-993F624DD4F2}"/>
+              </a:ext>
+            </a:extLst>
+          </p:cNvPr>
+          <p:cNvSpPr/>
+          <p:nvPr/>
+        </p:nvSpPr>
+        <p:spPr>
+          <a:xfrm>
+            <a:off x="4116000" y="1432656"/>
+            <a:ext cx="3960000" cy="3960000"/>
+          </a:xfrm>
+          <a:prstGeom prst="ellipse">
+            <a:avLst/>
+          </a:prstGeom>
+          <a:solidFill>
+            <a:schemeClr val="bg1"/>
+          </a:solidFill>
+          <a:ln>
+            <a:noFill/>
+          </a:ln>
+          <a:effectLst>
+            <a:outerShdw blurRad="63500" sx="110000" sy="110000" algn="ctr" rotWithShape="0">
+              <a:schemeClr val="bg1">
+                <a:alpha val="80000"/>
+              </a:schemeClr>
+            </a:outerShdw>
+          </a:effectLst>
+        </p:spPr>
+        <p:style>
+          <a:lnRef idx="2">
+            <a:schemeClr val="accent1">
+              <a:shade val="15000"/>
+            </a:schemeClr>
+          </a:lnRef>
+          <a:fillRef idx="1">
+            <a:schemeClr val="accent1"/>
+          </a:fillRef>
+          <a:effectRef idx="0">
+            <a:schemeClr val="accent1"/>
+          </a:effectRef>
+          <a:fontRef idx="minor">
+            <a:schemeClr val="lt1"/>
+          </a:fontRef>
+        </p:style>
+        <p:txBody>
+          <a:bodyPr rtlCol="0" anchor="ctr"/>
+          <a:lstStyle/>
+          <a:p>
+            <a:pPr algn="ctr"/>
+            <a:endParaRPr kumimoji="1" lang="ja-JP" altLang="en-US"/>
+          </a:p>
+        </p:txBody>
+      </p:sp>
+      <p:pic>
+        <p:nvPicPr>
+          <p:cNvPr id="30" name="図 29" descr="光 が含まれている画像&#10;&#10;自動的に生成された説明">
+            <a:extLst>
+              <a:ext uri="{FF2B5EF4-FFF2-40B4-BE49-F238E27FC236}">
+                <a16:creationId xmlns:a16="http://schemas.microsoft.com/office/drawing/2014/main" id="{517AFA1D-5859-A176-0C7B-70DE4E98468D}"/>
+              </a:ext>
+            </a:extLst>
+          </p:cNvPr>
+          <p:cNvPicPr>
+            <a:picLocks noChangeAspect="1"/>
+          </p:cNvPicPr>
+          <p:nvPr/>
+        </p:nvPicPr>
+        <p:blipFill rotWithShape="1">
+          <a:blip r:embed="rId3">
+            <a:extLst>
+              <a:ext uri="{28A0092B-C50C-407E-A947-70E740481C1C}">
+                <a14:useLocalDpi xmlns:a14="http://schemas.microsoft.com/office/drawing/2010/main" val="0"/>
+              </a:ext>
+            </a:extLst>
+          </a:blip>
+          <a:srcRect t="36950"/>
+          <a:stretch/>
+        </p:blipFill>
+        <p:spPr>
+          <a:xfrm>
+            <a:off x="3665360" y="715624"/>
+            <a:ext cx="756466" cy="681365"/>
+          </a:xfrm>
+          <a:prstGeom prst="rect">
+            <a:avLst/>
+          </a:prstGeom>
+        </p:spPr>
+      </p:pic>
+      <p:pic>
+        <p:nvPicPr>
+          <p:cNvPr id="31" name="図 30" descr="光 が含まれている画像&#10;&#10;自動的に生成された説明">
+            <a:extLst>
+              <a:ext uri="{FF2B5EF4-FFF2-40B4-BE49-F238E27FC236}">
+                <a16:creationId xmlns:a16="http://schemas.microsoft.com/office/drawing/2014/main" id="{C3201E0D-26F2-30A5-67E8-59E699062A7F}"/>
+              </a:ext>
+            </a:extLst>
+          </p:cNvPr>
+          <p:cNvPicPr>
+            <a:picLocks noChangeAspect="1"/>
+          </p:cNvPicPr>
+          <p:nvPr/>
+        </p:nvPicPr>
+        <p:blipFill rotWithShape="1">
+          <a:blip r:embed="rId3">
+            <a:extLst>
+              <a:ext uri="{28A0092B-C50C-407E-A947-70E740481C1C}">
+                <a14:useLocalDpi xmlns:a14="http://schemas.microsoft.com/office/drawing/2010/main" val="0"/>
+              </a:ext>
+            </a:extLst>
+          </a:blip>
+          <a:srcRect t="19541" b="-1"/>
+          <a:stretch/>
+        </p:blipFill>
+        <p:spPr>
+          <a:xfrm>
+            <a:off x="8025123" y="715624"/>
+            <a:ext cx="756466" cy="869486"/>
+          </a:xfrm>
+          <a:prstGeom prst="rect">
+            <a:avLst/>
+          </a:prstGeom>
+        </p:spPr>
+      </p:pic>
+      <p:pic>
+        <p:nvPicPr>
+          <p:cNvPr id="32" name="図 31" descr="光 が含まれている画像&#10;&#10;自動的に生成された説明">
+            <a:extLst>
+              <a:ext uri="{FF2B5EF4-FFF2-40B4-BE49-F238E27FC236}">
+                <a16:creationId xmlns:a16="http://schemas.microsoft.com/office/drawing/2014/main" id="{97318450-B7C2-1DDD-29FB-0E93C30B1B88}"/>
+              </a:ext>
+            </a:extLst>
+          </p:cNvPr>
+          <p:cNvPicPr>
+            <a:picLocks noChangeAspect="1"/>
+          </p:cNvPicPr>
+          <p:nvPr/>
+        </p:nvPicPr>
+        <p:blipFill>
+          <a:blip r:embed="rId3">
+            <a:extLst>
+              <a:ext uri="{28A0092B-C50C-407E-A947-70E740481C1C}">
+                <a14:useLocalDpi xmlns:a14="http://schemas.microsoft.com/office/drawing/2010/main" val="0"/>
+              </a:ext>
+            </a:extLst>
+          </a:blip>
+          <a:stretch>
+            <a:fillRect/>
+          </a:stretch>
+        </p:blipFill>
+        <p:spPr>
+          <a:xfrm>
+            <a:off x="3416963" y="3870829"/>
+            <a:ext cx="478680" cy="683828"/>
+          </a:xfrm>
+          <a:prstGeom prst="rect">
+            <a:avLst/>
+          </a:prstGeom>
+        </p:spPr>
+      </p:pic>
+      <p:pic>
+        <p:nvPicPr>
+          <p:cNvPr id="33" name="図 32" descr="光 が含まれている画像&#10;&#10;自動的に生成された説明">
+            <a:extLst>
+              <a:ext uri="{FF2B5EF4-FFF2-40B4-BE49-F238E27FC236}">
+                <a16:creationId xmlns:a16="http://schemas.microsoft.com/office/drawing/2014/main" id="{6E08AF0D-783F-288D-56D1-C819C9A12BD8}"/>
+              </a:ext>
+            </a:extLst>
+          </p:cNvPr>
+          <p:cNvPicPr>
+            <a:picLocks noChangeAspect="1"/>
+          </p:cNvPicPr>
+          <p:nvPr/>
+        </p:nvPicPr>
+        <p:blipFill rotWithShape="1">
+          <a:blip r:embed="rId3">
+            <a:extLst>
+              <a:ext uri="{28A0092B-C50C-407E-A947-70E740481C1C}">
+                <a14:useLocalDpi xmlns:a14="http://schemas.microsoft.com/office/drawing/2010/main" val="0"/>
+              </a:ext>
+            </a:extLst>
+          </a:blip>
+          <a:srcRect b="25716"/>
+          <a:stretch/>
+        </p:blipFill>
+        <p:spPr>
+          <a:xfrm>
+            <a:off x="4604435" y="5401215"/>
+            <a:ext cx="673209" cy="714409"/>
+          </a:xfrm>
+          <a:prstGeom prst="rect">
+            <a:avLst/>
+          </a:prstGeom>
+        </p:spPr>
+      </p:pic>
+      <p:pic>
+        <p:nvPicPr>
+          <p:cNvPr id="34" name="図 33" descr="光 が含まれている画像&#10;&#10;自動的に生成された説明">
+            <a:extLst>
+              <a:ext uri="{FF2B5EF4-FFF2-40B4-BE49-F238E27FC236}">
+                <a16:creationId xmlns:a16="http://schemas.microsoft.com/office/drawing/2014/main" id="{C627784C-2721-7C15-104C-1E1997C0C207}"/>
+              </a:ext>
+            </a:extLst>
+          </p:cNvPr>
+          <p:cNvPicPr>
+            <a:picLocks noChangeAspect="1"/>
+          </p:cNvPicPr>
+          <p:nvPr/>
+        </p:nvPicPr>
+        <p:blipFill rotWithShape="1">
+          <a:blip r:embed="rId3">
+            <a:extLst>
+              <a:ext uri="{28A0092B-C50C-407E-A947-70E740481C1C}">
+                <a14:useLocalDpi xmlns:a14="http://schemas.microsoft.com/office/drawing/2010/main" val="0"/>
+              </a:ext>
+            </a:extLst>
+          </a:blip>
+          <a:srcRect b="26468"/>
+          <a:stretch/>
+        </p:blipFill>
+        <p:spPr>
+          <a:xfrm>
+            <a:off x="6947008" y="5629870"/>
+            <a:ext cx="462423" cy="485754"/>
+          </a:xfrm>
+          <a:prstGeom prst="rect">
+            <a:avLst/>
+          </a:prstGeom>
+        </p:spPr>
+      </p:pic>
+      <p:pic>
+        <p:nvPicPr>
+          <p:cNvPr id="52" name="図 51" descr="アイコン&#10;&#10;自動的に生成された説明">
+            <a:extLst>
+              <a:ext uri="{FF2B5EF4-FFF2-40B4-BE49-F238E27FC236}">
+                <a16:creationId xmlns:a16="http://schemas.microsoft.com/office/drawing/2014/main" id="{D156C2B5-5CB7-C98A-A2E4-7525C5312290}"/>
+              </a:ext>
+            </a:extLst>
+          </p:cNvPr>
+          <p:cNvPicPr>
+            <a:picLocks noChangeAspect="1"/>
+          </p:cNvPicPr>
+          <p:nvPr/>
+        </p:nvPicPr>
+        <p:blipFill>
+          <a:blip r:embed="rId4">
+            <a:extLst>
+              <a:ext uri="{28A0092B-C50C-407E-A947-70E740481C1C}">
+                <a14:useLocalDpi xmlns:a14="http://schemas.microsoft.com/office/drawing/2010/main" val="0"/>
+              </a:ext>
+            </a:extLst>
+          </a:blip>
+          <a:stretch>
+            <a:fillRect/>
+          </a:stretch>
+        </p:blipFill>
+        <p:spPr>
+          <a:xfrm>
+            <a:off x="4206000" y="1539000"/>
+            <a:ext cx="3780000" cy="3780000"/>
+          </a:xfrm>
+          <a:prstGeom prst="rect">
+            <a:avLst/>
+          </a:prstGeom>
+        </p:spPr>
+      </p:pic>
+    </p:spTree>
+    <p:extLst>
+      <p:ext uri="{BB962C8B-B14F-4D97-AF65-F5344CB8AC3E}">
+        <p14:creationId xmlns:p14="http://schemas.microsoft.com/office/powerpoint/2010/main" val="122234598"/>
+      </p:ext>
+    </p:extLst>
+  </p:cSld>
+  <p:clrMapOvr>
+    <a:masterClrMapping/>
+  </p:clrMapOvr>
+</p:sld>
+</file>
+
+<file path=ppt/slides/slide18.xml><?xml version="1.0" encoding="utf-8"?>
+<p:sld xmlns:a="http://schemas.openxmlformats.org/drawingml/2006/main" xmlns:r="http://schemas.openxmlformats.org/officeDocument/2006/relationships" xmlns:p="http://schemas.openxmlformats.org/presentationml/2006/main">
+  <p:cSld>
+    <p:spTree>
+      <p:nvGrpSpPr>
+        <p:cNvPr id="1" name=""/>
+        <p:cNvGrpSpPr/>
+        <p:nvPr/>
+      </p:nvGrpSpPr>
+      <p:grpSpPr>
+        <a:xfrm>
+          <a:off x="0" y="0"/>
+          <a:ext cx="0" cy="0"/>
+          <a:chOff x="0" y="0"/>
+          <a:chExt cx="0" cy="0"/>
+        </a:xfrm>
+      </p:grpSpPr>
+      <p:pic>
+        <p:nvPicPr>
+          <p:cNvPr id="4" name="図 3" descr="アイコン&#10;&#10;自動的に生成された説明">
+            <a:extLst>
+              <a:ext uri="{FF2B5EF4-FFF2-40B4-BE49-F238E27FC236}">
+                <a16:creationId xmlns:a16="http://schemas.microsoft.com/office/drawing/2014/main" id="{41C5D21F-3B23-5878-44B8-C8F0845F0E4D}"/>
+              </a:ext>
+            </a:extLst>
+          </p:cNvPr>
+          <p:cNvPicPr>
+            <a:picLocks noChangeAspect="1"/>
+          </p:cNvPicPr>
+          <p:nvPr/>
+        </p:nvPicPr>
+        <p:blipFill>
+          <a:blip r:embed="rId2">
+            <a:extLst>
+              <a:ext uri="{28A0092B-C50C-407E-A947-70E740481C1C}">
+                <a14:useLocalDpi xmlns:a14="http://schemas.microsoft.com/office/drawing/2010/main" val="0"/>
+              </a:ext>
+            </a:extLst>
+          </a:blip>
+          <a:stretch>
+            <a:fillRect/>
+          </a:stretch>
+        </p:blipFill>
+        <p:spPr>
+          <a:xfrm>
+            <a:off x="4296000" y="1629000"/>
+            <a:ext cx="3600000" cy="3600000"/>
+          </a:xfrm>
+          <a:prstGeom prst="rect">
+            <a:avLst/>
+          </a:prstGeom>
+        </p:spPr>
+      </p:pic>
+    </p:spTree>
+    <p:extLst>
+      <p:ext uri="{BB962C8B-B14F-4D97-AF65-F5344CB8AC3E}">
+        <p14:creationId xmlns:p14="http://schemas.microsoft.com/office/powerpoint/2010/main" val="583962365"/>
       </p:ext>
     </p:extLst>
   </p:cSld>
@@ -9248,7 +10841,47 @@
       </a:bgFillStyleLst>
     </a:fmtScheme>
   </a:themeElements>
-  <a:objectDefaults/>
+  <a:objectDefaults>
+    <a:spDef>
+      <a:spPr>
+        <a:solidFill>
+          <a:schemeClr val="bg1"/>
+        </a:solidFill>
+        <a:ln>
+          <a:noFill/>
+        </a:ln>
+        <a:effectLst>
+          <a:outerShdw blurRad="63500" sx="120000" sy="120000" algn="ctr" rotWithShape="0">
+            <a:schemeClr val="bg1">
+              <a:alpha val="50000"/>
+            </a:schemeClr>
+          </a:outerShdw>
+        </a:effectLst>
+      </a:spPr>
+      <a:bodyPr rtlCol="0" anchor="ctr"/>
+      <a:lstStyle>
+        <a:defPPr algn="ctr">
+          <a:defRPr kumimoji="1" dirty="0"/>
+        </a:defPPr>
+      </a:lstStyle>
+      <a:style>
+        <a:lnRef idx="2">
+          <a:schemeClr val="accent1">
+            <a:shade val="15000"/>
+          </a:schemeClr>
+        </a:lnRef>
+        <a:fillRef idx="1">
+          <a:schemeClr val="accent1"/>
+        </a:fillRef>
+        <a:effectRef idx="0">
+          <a:schemeClr val="accent1"/>
+        </a:effectRef>
+        <a:fontRef idx="minor">
+          <a:schemeClr val="lt1"/>
+        </a:fontRef>
+      </a:style>
+    </a:spDef>
+  </a:objectDefaults>
   <a:extraClrSchemeLst/>
   <a:extLst>
     <a:ext uri="{05A4C25C-085E-4340-85A3-A5531E510DB2}">

--- a/_tmp/イメージ.pptx
+++ b/_tmp/イメージ.pptx
@@ -5477,7 +5477,7 @@
         <p:spPr>
           <a:xfrm>
             <a:off x="985652" y="1703451"/>
-            <a:ext cx="3995651" cy="1200329"/>
+            <a:ext cx="5894119" cy="1200329"/>
           </a:xfrm>
           <a:prstGeom prst="rect">
             <a:avLst/>
@@ -5502,7 +5502,7 @@
                 <a:ea typeface="Rounded Mplus 1c" panose="020B0502020203020207" pitchFamily="50" charset="-128"/>
                 <a:cs typeface="Rounded Mplus 1c" panose="020B0502020203020207" pitchFamily="50" charset="-128"/>
               </a:rPr>
-              <a:t>デルタ版</a:t>
+              <a:t>イプシロン版</a:t>
             </a:r>
           </a:p>
         </p:txBody>
@@ -9700,7 +9700,7 @@
         </p:blipFill>
         <p:spPr>
           <a:xfrm>
-            <a:off x="7756042" y="4238871"/>
+            <a:off x="6834325" y="5161813"/>
             <a:ext cx="900000" cy="900000"/>
           </a:xfrm>
           <a:prstGeom prst="rect">
@@ -9736,7 +9736,7 @@
         </p:blipFill>
         <p:spPr>
           <a:xfrm>
-            <a:off x="6864233" y="5161160"/>
+            <a:off x="7756045" y="4253424"/>
             <a:ext cx="900000" cy="900000"/>
           </a:xfrm>
           <a:prstGeom prst="rect">

--- a/_tmp/イメージ.pptx
+++ b/_tmp/イメージ.pptx
@@ -23,6 +23,7 @@
     <p:sldId id="273" r:id="rId17"/>
     <p:sldId id="272" r:id="rId18"/>
     <p:sldId id="271" r:id="rId19"/>
+    <p:sldId id="274" r:id="rId20"/>
   </p:sldIdLst>
   <p:sldSz cx="12192000" cy="6858000"/>
   <p:notesSz cx="6858000" cy="9144000"/>
@@ -276,7 +277,7 @@
           <a:p>
             <a:fld id="{631EE54B-C8F3-4E2F-AEEF-7EF4ED04F042}" type="datetimeFigureOut">
               <a:rPr kumimoji="1" lang="ja-JP" altLang="en-US" smtClean="0"/>
-              <a:t>2023/11/3</a:t>
+              <a:t>2023/11/7</a:t>
             </a:fld>
             <a:endParaRPr kumimoji="1" lang="ja-JP" altLang="en-US"/>
           </a:p>
@@ -506,7 +507,7 @@
           <a:p>
             <a:fld id="{631EE54B-C8F3-4E2F-AEEF-7EF4ED04F042}" type="datetimeFigureOut">
               <a:rPr kumimoji="1" lang="ja-JP" altLang="en-US" smtClean="0"/>
-              <a:t>2023/11/3</a:t>
+              <a:t>2023/11/7</a:t>
             </a:fld>
             <a:endParaRPr kumimoji="1" lang="ja-JP" altLang="en-US"/>
           </a:p>
@@ -746,7 +747,7 @@
           <a:p>
             <a:fld id="{631EE54B-C8F3-4E2F-AEEF-7EF4ED04F042}" type="datetimeFigureOut">
               <a:rPr kumimoji="1" lang="ja-JP" altLang="en-US" smtClean="0"/>
-              <a:t>2023/11/3</a:t>
+              <a:t>2023/11/7</a:t>
             </a:fld>
             <a:endParaRPr kumimoji="1" lang="ja-JP" altLang="en-US"/>
           </a:p>
@@ -976,7 +977,7 @@
           <a:p>
             <a:fld id="{631EE54B-C8F3-4E2F-AEEF-7EF4ED04F042}" type="datetimeFigureOut">
               <a:rPr kumimoji="1" lang="ja-JP" altLang="en-US" smtClean="0"/>
-              <a:t>2023/11/3</a:t>
+              <a:t>2023/11/7</a:t>
             </a:fld>
             <a:endParaRPr kumimoji="1" lang="ja-JP" altLang="en-US"/>
           </a:p>
@@ -1251,7 +1252,7 @@
           <a:p>
             <a:fld id="{631EE54B-C8F3-4E2F-AEEF-7EF4ED04F042}" type="datetimeFigureOut">
               <a:rPr kumimoji="1" lang="ja-JP" altLang="en-US" smtClean="0"/>
-              <a:t>2023/11/3</a:t>
+              <a:t>2023/11/7</a:t>
             </a:fld>
             <a:endParaRPr kumimoji="1" lang="ja-JP" altLang="en-US"/>
           </a:p>
@@ -1580,7 +1581,7 @@
           <a:p>
             <a:fld id="{631EE54B-C8F3-4E2F-AEEF-7EF4ED04F042}" type="datetimeFigureOut">
               <a:rPr kumimoji="1" lang="ja-JP" altLang="en-US" smtClean="0"/>
-              <a:t>2023/11/3</a:t>
+              <a:t>2023/11/7</a:t>
             </a:fld>
             <a:endParaRPr kumimoji="1" lang="ja-JP" altLang="en-US"/>
           </a:p>
@@ -2056,7 +2057,7 @@
           <a:p>
             <a:fld id="{631EE54B-C8F3-4E2F-AEEF-7EF4ED04F042}" type="datetimeFigureOut">
               <a:rPr kumimoji="1" lang="ja-JP" altLang="en-US" smtClean="0"/>
-              <a:t>2023/11/3</a:t>
+              <a:t>2023/11/7</a:t>
             </a:fld>
             <a:endParaRPr kumimoji="1" lang="ja-JP" altLang="en-US"/>
           </a:p>
@@ -2197,7 +2198,7 @@
           <a:p>
             <a:fld id="{631EE54B-C8F3-4E2F-AEEF-7EF4ED04F042}" type="datetimeFigureOut">
               <a:rPr kumimoji="1" lang="ja-JP" altLang="en-US" smtClean="0"/>
-              <a:t>2023/11/3</a:t>
+              <a:t>2023/11/7</a:t>
             </a:fld>
             <a:endParaRPr kumimoji="1" lang="ja-JP" altLang="en-US"/>
           </a:p>
@@ -2310,7 +2311,7 @@
           <a:p>
             <a:fld id="{631EE54B-C8F3-4E2F-AEEF-7EF4ED04F042}" type="datetimeFigureOut">
               <a:rPr kumimoji="1" lang="ja-JP" altLang="en-US" smtClean="0"/>
-              <a:t>2023/11/3</a:t>
+              <a:t>2023/11/7</a:t>
             </a:fld>
             <a:endParaRPr kumimoji="1" lang="ja-JP" altLang="en-US"/>
           </a:p>
@@ -2653,7 +2654,7 @@
           <a:p>
             <a:fld id="{631EE54B-C8F3-4E2F-AEEF-7EF4ED04F042}" type="datetimeFigureOut">
               <a:rPr kumimoji="1" lang="ja-JP" altLang="en-US" smtClean="0"/>
-              <a:t>2023/11/3</a:t>
+              <a:t>2023/11/7</a:t>
             </a:fld>
             <a:endParaRPr kumimoji="1" lang="ja-JP" altLang="en-US"/>
           </a:p>
@@ -2941,7 +2942,7 @@
           <a:p>
             <a:fld id="{631EE54B-C8F3-4E2F-AEEF-7EF4ED04F042}" type="datetimeFigureOut">
               <a:rPr kumimoji="1" lang="ja-JP" altLang="en-US" smtClean="0"/>
-              <a:t>2023/11/3</a:t>
+              <a:t>2023/11/7</a:t>
             </a:fld>
             <a:endParaRPr kumimoji="1" lang="ja-JP" altLang="en-US"/>
           </a:p>
@@ -3214,7 +3215,7 @@
           <a:p>
             <a:fld id="{631EE54B-C8F3-4E2F-AEEF-7EF4ED04F042}" type="datetimeFigureOut">
               <a:rPr kumimoji="1" lang="ja-JP" altLang="en-US" smtClean="0"/>
-              <a:t>2023/11/3</a:t>
+              <a:t>2023/11/7</a:t>
             </a:fld>
             <a:endParaRPr kumimoji="1" lang="ja-JP" altLang="en-US"/>
           </a:p>
@@ -7108,6 +7109,540 @@
 </p:sld>
 </file>
 
+<file path=ppt/slides/slide19.xml><?xml version="1.0" encoding="utf-8"?>
+<p:sld xmlns:a="http://schemas.openxmlformats.org/drawingml/2006/main" xmlns:r="http://schemas.openxmlformats.org/officeDocument/2006/relationships" xmlns:p="http://schemas.openxmlformats.org/presentationml/2006/main">
+  <p:cSld>
+    <p:spTree>
+      <p:nvGrpSpPr>
+        <p:cNvPr id="1" name=""/>
+        <p:cNvGrpSpPr/>
+        <p:nvPr/>
+      </p:nvGrpSpPr>
+      <p:grpSpPr>
+        <a:xfrm>
+          <a:off x="0" y="0"/>
+          <a:ext cx="0" cy="0"/>
+          <a:chOff x="0" y="0"/>
+          <a:chExt cx="0" cy="0"/>
+        </a:xfrm>
+      </p:grpSpPr>
+      <p:sp>
+        <p:nvSpPr>
+          <p:cNvPr id="2" name="テキスト ボックス 1">
+            <a:extLst>
+              <a:ext uri="{FF2B5EF4-FFF2-40B4-BE49-F238E27FC236}">
+                <a16:creationId xmlns:a16="http://schemas.microsoft.com/office/drawing/2014/main" id="{346A53CF-147D-FF9C-2F4D-8D55DE0665B1}"/>
+              </a:ext>
+            </a:extLst>
+          </p:cNvPr>
+          <p:cNvSpPr txBox="1"/>
+          <p:nvPr/>
+        </p:nvSpPr>
+        <p:spPr>
+          <a:xfrm>
+            <a:off x="1393371" y="696686"/>
+            <a:ext cx="2063932" cy="369332"/>
+          </a:xfrm>
+          <a:prstGeom prst="rect">
+            <a:avLst/>
+          </a:prstGeom>
+          <a:noFill/>
+        </p:spPr>
+        <p:txBody>
+          <a:bodyPr wrap="square" rtlCol="0">
+            <a:spAutoFit/>
+          </a:bodyPr>
+          <a:lstStyle/>
+          <a:p>
+            <a:pPr algn="ctr"/>
+            <a:r>
+              <a:rPr kumimoji="1" lang="ja-JP" altLang="en-US" dirty="0"/>
+              <a:t>完成</a:t>
+            </a:r>
+          </a:p>
+        </p:txBody>
+      </p:sp>
+      <p:sp>
+        <p:nvSpPr>
+          <p:cNvPr id="3" name="テキスト ボックス 2">
+            <a:extLst>
+              <a:ext uri="{FF2B5EF4-FFF2-40B4-BE49-F238E27FC236}">
+                <a16:creationId xmlns:a16="http://schemas.microsoft.com/office/drawing/2014/main" id="{A74A6695-02CB-5CD9-CA12-2893F7ACB493}"/>
+              </a:ext>
+            </a:extLst>
+          </p:cNvPr>
+          <p:cNvSpPr txBox="1"/>
+          <p:nvPr/>
+        </p:nvSpPr>
+        <p:spPr>
+          <a:xfrm>
+            <a:off x="9244148" y="696686"/>
+            <a:ext cx="2063932" cy="369332"/>
+          </a:xfrm>
+          <a:prstGeom prst="rect">
+            <a:avLst/>
+          </a:prstGeom>
+          <a:noFill/>
+        </p:spPr>
+        <p:txBody>
+          <a:bodyPr wrap="square" rtlCol="0">
+            <a:spAutoFit/>
+          </a:bodyPr>
+          <a:lstStyle/>
+          <a:p>
+            <a:pPr algn="ctr"/>
+            <a:r>
+              <a:rPr kumimoji="1" lang="ja-JP" altLang="en-US" dirty="0"/>
+              <a:t>未完成</a:t>
+            </a:r>
+          </a:p>
+        </p:txBody>
+      </p:sp>
+      <p:pic>
+        <p:nvPicPr>
+          <p:cNvPr id="5" name="図 4" descr="ロゴ, アイコン&#10;&#10;自動的に生成された説明">
+            <a:extLst>
+              <a:ext uri="{FF2B5EF4-FFF2-40B4-BE49-F238E27FC236}">
+                <a16:creationId xmlns:a16="http://schemas.microsoft.com/office/drawing/2014/main" id="{855978D3-5BA8-82B5-9BC7-C312A7541103}"/>
+              </a:ext>
+            </a:extLst>
+          </p:cNvPr>
+          <p:cNvPicPr>
+            <a:picLocks noChangeAspect="1"/>
+          </p:cNvPicPr>
+          <p:nvPr/>
+        </p:nvPicPr>
+        <p:blipFill>
+          <a:blip r:embed="rId2">
+            <a:extLst>
+              <a:ext uri="{28A0092B-C50C-407E-A947-70E740481C1C}">
+                <a14:useLocalDpi xmlns:a14="http://schemas.microsoft.com/office/drawing/2010/main" val="0"/>
+              </a:ext>
+            </a:extLst>
+          </a:blip>
+          <a:stretch>
+            <a:fillRect/>
+          </a:stretch>
+        </p:blipFill>
+        <p:spPr>
+          <a:xfrm>
+            <a:off x="8080919" y="3323863"/>
+            <a:ext cx="720000" cy="720000"/>
+          </a:xfrm>
+          <a:prstGeom prst="rect">
+            <a:avLst/>
+          </a:prstGeom>
+        </p:spPr>
+      </p:pic>
+      <p:pic>
+        <p:nvPicPr>
+          <p:cNvPr id="7" name="図 6" descr="ウィンドウ, ホイール が含まれている画像&#10;&#10;自動的に生成された説明">
+            <a:extLst>
+              <a:ext uri="{FF2B5EF4-FFF2-40B4-BE49-F238E27FC236}">
+                <a16:creationId xmlns:a16="http://schemas.microsoft.com/office/drawing/2014/main" id="{0517EE62-FA10-42CB-7A32-7112286DF777}"/>
+              </a:ext>
+            </a:extLst>
+          </p:cNvPr>
+          <p:cNvPicPr>
+            <a:picLocks noChangeAspect="1"/>
+          </p:cNvPicPr>
+          <p:nvPr/>
+        </p:nvPicPr>
+        <p:blipFill>
+          <a:blip r:embed="rId3">
+            <a:extLst>
+              <a:ext uri="{28A0092B-C50C-407E-A947-70E740481C1C}">
+                <a14:useLocalDpi xmlns:a14="http://schemas.microsoft.com/office/drawing/2010/main" val="0"/>
+              </a:ext>
+            </a:extLst>
+          </a:blip>
+          <a:stretch>
+            <a:fillRect/>
+          </a:stretch>
+        </p:blipFill>
+        <p:spPr>
+          <a:xfrm>
+            <a:off x="5556000" y="1168487"/>
+            <a:ext cx="720000" cy="720000"/>
+          </a:xfrm>
+          <a:prstGeom prst="rect">
+            <a:avLst/>
+          </a:prstGeom>
+        </p:spPr>
+      </p:pic>
+      <p:pic>
+        <p:nvPicPr>
+          <p:cNvPr id="9" name="図 8" descr="アイコン&#10;&#10;自動的に生成された説明">
+            <a:extLst>
+              <a:ext uri="{FF2B5EF4-FFF2-40B4-BE49-F238E27FC236}">
+                <a16:creationId xmlns:a16="http://schemas.microsoft.com/office/drawing/2014/main" id="{B93BD0FA-B7C0-0FA1-8374-DC41BA3CAA1B}"/>
+              </a:ext>
+            </a:extLst>
+          </p:cNvPr>
+          <p:cNvPicPr>
+            <a:picLocks noChangeAspect="1"/>
+          </p:cNvPicPr>
+          <p:nvPr/>
+        </p:nvPicPr>
+        <p:blipFill>
+          <a:blip r:embed="rId4">
+            <a:extLst>
+              <a:ext uri="{28A0092B-C50C-407E-A947-70E740481C1C}">
+                <a14:useLocalDpi xmlns:a14="http://schemas.microsoft.com/office/drawing/2010/main" val="0"/>
+              </a:ext>
+            </a:extLst>
+          </a:blip>
+          <a:stretch>
+            <a:fillRect/>
+          </a:stretch>
+        </p:blipFill>
+        <p:spPr>
+          <a:xfrm>
+            <a:off x="7360919" y="1401055"/>
+            <a:ext cx="720000" cy="720000"/>
+          </a:xfrm>
+          <a:prstGeom prst="rect">
+            <a:avLst/>
+          </a:prstGeom>
+        </p:spPr>
+      </p:pic>
+      <p:pic>
+        <p:nvPicPr>
+          <p:cNvPr id="19" name="図 18" descr="アイコン&#10;&#10;自動的に生成された説明">
+            <a:extLst>
+              <a:ext uri="{FF2B5EF4-FFF2-40B4-BE49-F238E27FC236}">
+                <a16:creationId xmlns:a16="http://schemas.microsoft.com/office/drawing/2014/main" id="{E6DB596E-FA78-6735-6138-3A96E3DFDBBC}"/>
+              </a:ext>
+            </a:extLst>
+          </p:cNvPr>
+          <p:cNvPicPr>
+            <a:picLocks noChangeAspect="1"/>
+          </p:cNvPicPr>
+          <p:nvPr/>
+        </p:nvPicPr>
+        <p:blipFill>
+          <a:blip r:embed="rId5">
+            <a:extLst>
+              <a:ext uri="{28A0092B-C50C-407E-A947-70E740481C1C}">
+                <a14:useLocalDpi xmlns:a14="http://schemas.microsoft.com/office/drawing/2010/main" val="0"/>
+              </a:ext>
+            </a:extLst>
+          </a:blip>
+          <a:stretch>
+            <a:fillRect/>
+          </a:stretch>
+        </p:blipFill>
+        <p:spPr>
+          <a:xfrm>
+            <a:off x="4792101" y="2243863"/>
+            <a:ext cx="720000" cy="720000"/>
+          </a:xfrm>
+          <a:prstGeom prst="rect">
+            <a:avLst/>
+          </a:prstGeom>
+        </p:spPr>
+      </p:pic>
+      <p:pic>
+        <p:nvPicPr>
+          <p:cNvPr id="21" name="図 20" descr="アイコン&#10;&#10;自動的に生成された説明">
+            <a:extLst>
+              <a:ext uri="{FF2B5EF4-FFF2-40B4-BE49-F238E27FC236}">
+                <a16:creationId xmlns:a16="http://schemas.microsoft.com/office/drawing/2014/main" id="{79706594-A760-3078-B04C-BA8B29DA41FF}"/>
+              </a:ext>
+            </a:extLst>
+          </p:cNvPr>
+          <p:cNvPicPr>
+            <a:picLocks noChangeAspect="1"/>
+          </p:cNvPicPr>
+          <p:nvPr/>
+        </p:nvPicPr>
+        <p:blipFill>
+          <a:blip r:embed="rId6">
+            <a:extLst>
+              <a:ext uri="{28A0092B-C50C-407E-A947-70E740481C1C}">
+                <a14:useLocalDpi xmlns:a14="http://schemas.microsoft.com/office/drawing/2010/main" val="0"/>
+              </a:ext>
+            </a:extLst>
+          </a:blip>
+          <a:stretch>
+            <a:fillRect/>
+          </a:stretch>
+        </p:blipFill>
+        <p:spPr>
+          <a:xfrm>
+            <a:off x="8884148" y="1735955"/>
+            <a:ext cx="720000" cy="720000"/>
+          </a:xfrm>
+          <a:prstGeom prst="rect">
+            <a:avLst/>
+          </a:prstGeom>
+        </p:spPr>
+      </p:pic>
+      <p:pic>
+        <p:nvPicPr>
+          <p:cNvPr id="23" name="図 22" descr="アイコン&#10;&#10;自動的に生成された説明">
+            <a:extLst>
+              <a:ext uri="{FF2B5EF4-FFF2-40B4-BE49-F238E27FC236}">
+                <a16:creationId xmlns:a16="http://schemas.microsoft.com/office/drawing/2014/main" id="{1A44AF5E-1A41-F9F5-63BE-F13411A18C54}"/>
+              </a:ext>
+            </a:extLst>
+          </p:cNvPr>
+          <p:cNvPicPr>
+            <a:picLocks noChangeAspect="1"/>
+          </p:cNvPicPr>
+          <p:nvPr/>
+        </p:nvPicPr>
+        <p:blipFill>
+          <a:blip r:embed="rId7">
+            <a:extLst>
+              <a:ext uri="{28A0092B-C50C-407E-A947-70E740481C1C}">
+                <a14:useLocalDpi xmlns:a14="http://schemas.microsoft.com/office/drawing/2010/main" val="0"/>
+              </a:ext>
+            </a:extLst>
+          </a:blip>
+          <a:stretch>
+            <a:fillRect/>
+          </a:stretch>
+        </p:blipFill>
+        <p:spPr>
+          <a:xfrm>
+            <a:off x="6679900" y="1989000"/>
+            <a:ext cx="720000" cy="720000"/>
+          </a:xfrm>
+          <a:prstGeom prst="rect">
+            <a:avLst/>
+          </a:prstGeom>
+        </p:spPr>
+      </p:pic>
+      <p:pic>
+        <p:nvPicPr>
+          <p:cNvPr id="25" name="図 24" descr="黒い背景に白い文字がある&#10;&#10;低い精度で自動的に生成された説明">
+            <a:extLst>
+              <a:ext uri="{FF2B5EF4-FFF2-40B4-BE49-F238E27FC236}">
+                <a16:creationId xmlns:a16="http://schemas.microsoft.com/office/drawing/2014/main" id="{9173145D-8162-2148-1CC7-BE04C74DE50E}"/>
+              </a:ext>
+            </a:extLst>
+          </p:cNvPr>
+          <p:cNvPicPr>
+            <a:picLocks noChangeAspect="1"/>
+          </p:cNvPicPr>
+          <p:nvPr/>
+        </p:nvPicPr>
+        <p:blipFill>
+          <a:blip r:embed="rId8">
+            <a:extLst>
+              <a:ext uri="{28A0092B-C50C-407E-A947-70E740481C1C}">
+                <a14:useLocalDpi xmlns:a14="http://schemas.microsoft.com/office/drawing/2010/main" val="0"/>
+              </a:ext>
+            </a:extLst>
+          </a:blip>
+          <a:stretch>
+            <a:fillRect/>
+          </a:stretch>
+        </p:blipFill>
+        <p:spPr>
+          <a:xfrm>
+            <a:off x="1705337" y="2095955"/>
+            <a:ext cx="720000" cy="720000"/>
+          </a:xfrm>
+          <a:prstGeom prst="rect">
+            <a:avLst/>
+          </a:prstGeom>
+        </p:spPr>
+      </p:pic>
+      <p:pic>
+        <p:nvPicPr>
+          <p:cNvPr id="27" name="図 26" descr="ボール, 挿絵, テーブル が含まれている画像&#10;&#10;自動的に生成された説明">
+            <a:extLst>
+              <a:ext uri="{FF2B5EF4-FFF2-40B4-BE49-F238E27FC236}">
+                <a16:creationId xmlns:a16="http://schemas.microsoft.com/office/drawing/2014/main" id="{E394825D-5FA0-BA3E-F7E7-FC0D18387EE1}"/>
+              </a:ext>
+            </a:extLst>
+          </p:cNvPr>
+          <p:cNvPicPr>
+            <a:picLocks noChangeAspect="1"/>
+          </p:cNvPicPr>
+          <p:nvPr/>
+        </p:nvPicPr>
+        <p:blipFill>
+          <a:blip r:embed="rId9">
+            <a:extLst>
+              <a:ext uri="{28A0092B-C50C-407E-A947-70E740481C1C}">
+                <a14:useLocalDpi xmlns:a14="http://schemas.microsoft.com/office/drawing/2010/main" val="0"/>
+              </a:ext>
+            </a:extLst>
+          </a:blip>
+          <a:stretch>
+            <a:fillRect/>
+          </a:stretch>
+        </p:blipFill>
+        <p:spPr>
+          <a:xfrm>
+            <a:off x="7916092" y="2603863"/>
+            <a:ext cx="720000" cy="720000"/>
+          </a:xfrm>
+          <a:prstGeom prst="rect">
+            <a:avLst/>
+          </a:prstGeom>
+        </p:spPr>
+      </p:pic>
+      <p:pic>
+        <p:nvPicPr>
+          <p:cNvPr id="29" name="図 28" descr="アイコン&#10;&#10;自動的に生成された説明">
+            <a:extLst>
+              <a:ext uri="{FF2B5EF4-FFF2-40B4-BE49-F238E27FC236}">
+                <a16:creationId xmlns:a16="http://schemas.microsoft.com/office/drawing/2014/main" id="{5B001E06-BBD3-14F9-8DCF-D1A07CC6C180}"/>
+              </a:ext>
+            </a:extLst>
+          </p:cNvPr>
+          <p:cNvPicPr>
+            <a:picLocks noChangeAspect="1"/>
+          </p:cNvPicPr>
+          <p:nvPr/>
+        </p:nvPicPr>
+        <p:blipFill>
+          <a:blip r:embed="rId10">
+            <a:extLst>
+              <a:ext uri="{28A0092B-C50C-407E-A947-70E740481C1C}">
+                <a14:useLocalDpi xmlns:a14="http://schemas.microsoft.com/office/drawing/2010/main" val="0"/>
+              </a:ext>
+            </a:extLst>
+          </a:blip>
+          <a:stretch>
+            <a:fillRect/>
+          </a:stretch>
+        </p:blipFill>
+        <p:spPr>
+          <a:xfrm>
+            <a:off x="2280874" y="3435521"/>
+            <a:ext cx="720000" cy="720000"/>
+          </a:xfrm>
+          <a:prstGeom prst="rect">
+            <a:avLst/>
+          </a:prstGeom>
+        </p:spPr>
+      </p:pic>
+      <p:pic>
+        <p:nvPicPr>
+          <p:cNvPr id="31" name="図 30" descr="アイコン&#10;&#10;自動的に生成された説明">
+            <a:extLst>
+              <a:ext uri="{FF2B5EF4-FFF2-40B4-BE49-F238E27FC236}">
+                <a16:creationId xmlns:a16="http://schemas.microsoft.com/office/drawing/2014/main" id="{1DEF2A25-80F2-9265-7F54-3890462805FF}"/>
+              </a:ext>
+            </a:extLst>
+          </p:cNvPr>
+          <p:cNvPicPr>
+            <a:picLocks noChangeAspect="1"/>
+          </p:cNvPicPr>
+          <p:nvPr/>
+        </p:nvPicPr>
+        <p:blipFill>
+          <a:blip r:embed="rId11">
+            <a:extLst>
+              <a:ext uri="{28A0092B-C50C-407E-A947-70E740481C1C}">
+                <a14:useLocalDpi xmlns:a14="http://schemas.microsoft.com/office/drawing/2010/main" val="0"/>
+              </a:ext>
+            </a:extLst>
+          </a:blip>
+          <a:stretch>
+            <a:fillRect/>
+          </a:stretch>
+        </p:blipFill>
+        <p:spPr>
+          <a:xfrm>
+            <a:off x="1705337" y="2709000"/>
+            <a:ext cx="720000" cy="720000"/>
+          </a:xfrm>
+          <a:prstGeom prst="rect">
+            <a:avLst/>
+          </a:prstGeom>
+        </p:spPr>
+      </p:pic>
+      <p:pic>
+        <p:nvPicPr>
+          <p:cNvPr id="33" name="図 32" descr="アイコン&#10;&#10;自動的に生成された説明">
+            <a:extLst>
+              <a:ext uri="{FF2B5EF4-FFF2-40B4-BE49-F238E27FC236}">
+                <a16:creationId xmlns:a16="http://schemas.microsoft.com/office/drawing/2014/main" id="{2739C547-D71F-01A1-2365-40016BD5CDA8}"/>
+              </a:ext>
+            </a:extLst>
+          </p:cNvPr>
+          <p:cNvPicPr>
+            <a:picLocks noChangeAspect="1"/>
+          </p:cNvPicPr>
+          <p:nvPr/>
+        </p:nvPicPr>
+        <p:blipFill>
+          <a:blip r:embed="rId12">
+            <a:extLst>
+              <a:ext uri="{28A0092B-C50C-407E-A947-70E740481C1C}">
+                <a14:useLocalDpi xmlns:a14="http://schemas.microsoft.com/office/drawing/2010/main" val="0"/>
+              </a:ext>
+            </a:extLst>
+          </a:blip>
+          <a:stretch>
+            <a:fillRect/>
+          </a:stretch>
+        </p:blipFill>
+        <p:spPr>
+          <a:xfrm>
+            <a:off x="2909861" y="2963863"/>
+            <a:ext cx="720000" cy="720000"/>
+          </a:xfrm>
+          <a:prstGeom prst="rect">
+            <a:avLst/>
+          </a:prstGeom>
+        </p:spPr>
+      </p:pic>
+      <p:cxnSp>
+        <p:nvCxnSpPr>
+          <p:cNvPr id="35" name="直線コネクタ 34">
+            <a:extLst>
+              <a:ext uri="{FF2B5EF4-FFF2-40B4-BE49-F238E27FC236}">
+                <a16:creationId xmlns:a16="http://schemas.microsoft.com/office/drawing/2014/main" id="{C1A61FF2-CA1C-25C2-FB6E-74DAC8F52B94}"/>
+              </a:ext>
+            </a:extLst>
+          </p:cNvPr>
+          <p:cNvCxnSpPr/>
+          <p:nvPr/>
+        </p:nvCxnSpPr>
+        <p:spPr>
+          <a:xfrm flipH="1">
+            <a:off x="5077097" y="813110"/>
+            <a:ext cx="75004" cy="5039050"/>
+          </a:xfrm>
+          <a:prstGeom prst="line">
+            <a:avLst/>
+          </a:prstGeom>
+        </p:spPr>
+        <p:style>
+          <a:lnRef idx="1">
+            <a:schemeClr val="accent1"/>
+          </a:lnRef>
+          <a:fillRef idx="0">
+            <a:schemeClr val="accent1"/>
+          </a:fillRef>
+          <a:effectRef idx="0">
+            <a:schemeClr val="accent1"/>
+          </a:effectRef>
+          <a:fontRef idx="minor">
+            <a:schemeClr val="tx1"/>
+          </a:fontRef>
+        </p:style>
+      </p:cxnSp>
+    </p:spTree>
+    <p:extLst>
+      <p:ext uri="{BB962C8B-B14F-4D97-AF65-F5344CB8AC3E}">
+        <p14:creationId xmlns:p14="http://schemas.microsoft.com/office/powerpoint/2010/main" val="3696365532"/>
+      </p:ext>
+    </p:extLst>
+  </p:cSld>
+  <p:clrMapOvr>
+    <a:masterClrMapping/>
+  </p:clrMapOvr>
+</p:sld>
+</file>
+
 <file path=ppt/slides/slide2.xml><?xml version="1.0" encoding="utf-8"?>
 <p:sld xmlns:a="http://schemas.openxmlformats.org/drawingml/2006/main" xmlns:r="http://schemas.openxmlformats.org/officeDocument/2006/relationships" xmlns:p="http://schemas.openxmlformats.org/presentationml/2006/main">
   <p:cSld>
@@ -8233,1337 +8768,6 @@
           </a:prstGeom>
         </p:spPr>
       </p:pic>
-      <p:grpSp>
-        <p:nvGrpSpPr>
-          <p:cNvPr id="12" name="グループ化 11">
-            <a:extLst>
-              <a:ext uri="{FF2B5EF4-FFF2-40B4-BE49-F238E27FC236}">
-                <a16:creationId xmlns:a16="http://schemas.microsoft.com/office/drawing/2014/main" id="{21BA5651-9A84-54F7-28FF-55F5CFDA3BBA}"/>
-              </a:ext>
-            </a:extLst>
-          </p:cNvPr>
-          <p:cNvGrpSpPr/>
-          <p:nvPr/>
-        </p:nvGrpSpPr>
-        <p:grpSpPr>
-          <a:xfrm>
-            <a:off x="3239440" y="812391"/>
-            <a:ext cx="5713119" cy="5570799"/>
-            <a:chOff x="3141251" y="811896"/>
-            <a:chExt cx="5909496" cy="5571851"/>
-          </a:xfrm>
-        </p:grpSpPr>
-        <p:sp>
-          <p:nvSpPr>
-            <p:cNvPr id="15" name="フリーフォーム: 図形 14">
-              <a:extLst>
-                <a:ext uri="{FF2B5EF4-FFF2-40B4-BE49-F238E27FC236}">
-                  <a16:creationId xmlns:a16="http://schemas.microsoft.com/office/drawing/2014/main" id="{3D40B897-98C7-E952-170C-5D78D2776DFB}"/>
-                </a:ext>
-              </a:extLst>
-            </p:cNvPr>
-            <p:cNvSpPr/>
-            <p:nvPr/>
-          </p:nvSpPr>
-          <p:spPr>
-            <a:xfrm>
-              <a:off x="6921575" y="811896"/>
-              <a:ext cx="869064" cy="869064"/>
-            </a:xfrm>
-            <a:custGeom>
-              <a:avLst/>
-              <a:gdLst>
-                <a:gd name="connsiteX0" fmla="*/ 0 w 869064"/>
-                <a:gd name="connsiteY0" fmla="*/ 434532 h 869064"/>
-                <a:gd name="connsiteX1" fmla="*/ 434532 w 869064"/>
-                <a:gd name="connsiteY1" fmla="*/ 0 h 869064"/>
-                <a:gd name="connsiteX2" fmla="*/ 869064 w 869064"/>
-                <a:gd name="connsiteY2" fmla="*/ 434532 h 869064"/>
-                <a:gd name="connsiteX3" fmla="*/ 434532 w 869064"/>
-                <a:gd name="connsiteY3" fmla="*/ 869064 h 869064"/>
-                <a:gd name="connsiteX4" fmla="*/ 0 w 869064"/>
-                <a:gd name="connsiteY4" fmla="*/ 434532 h 869064"/>
-              </a:gdLst>
-              <a:ahLst/>
-              <a:cxnLst>
-                <a:cxn ang="0">
-                  <a:pos x="connsiteX0" y="connsiteY0"/>
-                </a:cxn>
-                <a:cxn ang="0">
-                  <a:pos x="connsiteX1" y="connsiteY1"/>
-                </a:cxn>
-                <a:cxn ang="0">
-                  <a:pos x="connsiteX2" y="connsiteY2"/>
-                </a:cxn>
-                <a:cxn ang="0">
-                  <a:pos x="connsiteX3" y="connsiteY3"/>
-                </a:cxn>
-                <a:cxn ang="0">
-                  <a:pos x="connsiteX4" y="connsiteY4"/>
-                </a:cxn>
-              </a:cxnLst>
-              <a:rect l="l" t="t" r="r" b="b"/>
-              <a:pathLst>
-                <a:path w="869064" h="869064">
-                  <a:moveTo>
-                    <a:pt x="0" y="434532"/>
-                  </a:moveTo>
-                  <a:cubicBezTo>
-                    <a:pt x="0" y="194547"/>
-                    <a:pt x="194547" y="0"/>
-                    <a:pt x="434532" y="0"/>
-                  </a:cubicBezTo>
-                  <a:cubicBezTo>
-                    <a:pt x="674517" y="0"/>
-                    <a:pt x="869064" y="194547"/>
-                    <a:pt x="869064" y="434532"/>
-                  </a:cubicBezTo>
-                  <a:cubicBezTo>
-                    <a:pt x="869064" y="674517"/>
-                    <a:pt x="674517" y="869064"/>
-                    <a:pt x="434532" y="869064"/>
-                  </a:cubicBezTo>
-                  <a:cubicBezTo>
-                    <a:pt x="194547" y="869064"/>
-                    <a:pt x="0" y="674517"/>
-                    <a:pt x="0" y="434532"/>
-                  </a:cubicBezTo>
-                  <a:close/>
-                </a:path>
-              </a:pathLst>
-            </a:custGeom>
-          </p:spPr>
-          <p:style>
-            <a:lnRef idx="2">
-              <a:schemeClr val="lt1">
-                <a:hueOff val="0"/>
-                <a:satOff val="0"/>
-                <a:lumOff val="0"/>
-                <a:alphaOff val="0"/>
-              </a:schemeClr>
-            </a:lnRef>
-            <a:fillRef idx="1">
-              <a:schemeClr val="accent1">
-                <a:hueOff val="0"/>
-                <a:satOff val="0"/>
-                <a:lumOff val="0"/>
-                <a:alphaOff val="0"/>
-              </a:schemeClr>
-            </a:fillRef>
-            <a:effectRef idx="0">
-              <a:schemeClr val="accent1">
-                <a:hueOff val="0"/>
-                <a:satOff val="0"/>
-                <a:lumOff val="0"/>
-                <a:alphaOff val="0"/>
-              </a:schemeClr>
-            </a:effectRef>
-            <a:fontRef idx="minor">
-              <a:schemeClr val="lt1"/>
-            </a:fontRef>
-          </p:style>
-          <p:txBody>
-            <a:bodyPr spcFirstLastPara="0" vert="horz" wrap="square" lIns="161561" tIns="161561" rIns="161561" bIns="161561" numCol="1" spcCol="1270" anchor="ctr" anchorCtr="0">
-              <a:noAutofit/>
-            </a:bodyPr>
-            <a:lstStyle/>
-            <a:p>
-              <a:pPr marL="0" lvl="0" indent="0" algn="ctr" defTabSz="1200150">
-                <a:lnSpc>
-                  <a:spcPct val="90000"/>
-                </a:lnSpc>
-                <a:spcBef>
-                  <a:spcPct val="0"/>
-                </a:spcBef>
-                <a:spcAft>
-                  <a:spcPct val="35000"/>
-                </a:spcAft>
-                <a:buNone/>
-              </a:pPr>
-              <a:endParaRPr kumimoji="1" lang="ja-JP" altLang="en-US" sz="2700" kern="1200" dirty="0"/>
-            </a:p>
-          </p:txBody>
-        </p:sp>
-        <p:sp>
-          <p:nvSpPr>
-            <p:cNvPr id="17" name="フリーフォーム: 図形 16">
-              <a:extLst>
-                <a:ext uri="{FF2B5EF4-FFF2-40B4-BE49-F238E27FC236}">
-                  <a16:creationId xmlns:a16="http://schemas.microsoft.com/office/drawing/2014/main" id="{7A54634A-4A8D-DFA1-C8DE-3A431F706FDB}"/>
-                </a:ext>
-              </a:extLst>
-            </p:cNvPr>
-            <p:cNvSpPr/>
-            <p:nvPr/>
-          </p:nvSpPr>
-          <p:spPr>
-            <a:xfrm>
-              <a:off x="7844038" y="1734359"/>
-              <a:ext cx="869064" cy="869064"/>
-            </a:xfrm>
-            <a:custGeom>
-              <a:avLst/>
-              <a:gdLst>
-                <a:gd name="connsiteX0" fmla="*/ 0 w 869064"/>
-                <a:gd name="connsiteY0" fmla="*/ 434532 h 869064"/>
-                <a:gd name="connsiteX1" fmla="*/ 434532 w 869064"/>
-                <a:gd name="connsiteY1" fmla="*/ 0 h 869064"/>
-                <a:gd name="connsiteX2" fmla="*/ 869064 w 869064"/>
-                <a:gd name="connsiteY2" fmla="*/ 434532 h 869064"/>
-                <a:gd name="connsiteX3" fmla="*/ 434532 w 869064"/>
-                <a:gd name="connsiteY3" fmla="*/ 869064 h 869064"/>
-                <a:gd name="connsiteX4" fmla="*/ 0 w 869064"/>
-                <a:gd name="connsiteY4" fmla="*/ 434532 h 869064"/>
-              </a:gdLst>
-              <a:ahLst/>
-              <a:cxnLst>
-                <a:cxn ang="0">
-                  <a:pos x="connsiteX0" y="connsiteY0"/>
-                </a:cxn>
-                <a:cxn ang="0">
-                  <a:pos x="connsiteX1" y="connsiteY1"/>
-                </a:cxn>
-                <a:cxn ang="0">
-                  <a:pos x="connsiteX2" y="connsiteY2"/>
-                </a:cxn>
-                <a:cxn ang="0">
-                  <a:pos x="connsiteX3" y="connsiteY3"/>
-                </a:cxn>
-                <a:cxn ang="0">
-                  <a:pos x="connsiteX4" y="connsiteY4"/>
-                </a:cxn>
-              </a:cxnLst>
-              <a:rect l="l" t="t" r="r" b="b"/>
-              <a:pathLst>
-                <a:path w="869064" h="869064">
-                  <a:moveTo>
-                    <a:pt x="0" y="434532"/>
-                  </a:moveTo>
-                  <a:cubicBezTo>
-                    <a:pt x="0" y="194547"/>
-                    <a:pt x="194547" y="0"/>
-                    <a:pt x="434532" y="0"/>
-                  </a:cubicBezTo>
-                  <a:cubicBezTo>
-                    <a:pt x="674517" y="0"/>
-                    <a:pt x="869064" y="194547"/>
-                    <a:pt x="869064" y="434532"/>
-                  </a:cubicBezTo>
-                  <a:cubicBezTo>
-                    <a:pt x="869064" y="674517"/>
-                    <a:pt x="674517" y="869064"/>
-                    <a:pt x="434532" y="869064"/>
-                  </a:cubicBezTo>
-                  <a:cubicBezTo>
-                    <a:pt x="194547" y="869064"/>
-                    <a:pt x="0" y="674517"/>
-                    <a:pt x="0" y="434532"/>
-                  </a:cubicBezTo>
-                  <a:close/>
-                </a:path>
-              </a:pathLst>
-            </a:custGeom>
-          </p:spPr>
-          <p:style>
-            <a:lnRef idx="2">
-              <a:schemeClr val="lt1">
-                <a:hueOff val="0"/>
-                <a:satOff val="0"/>
-                <a:lumOff val="0"/>
-                <a:alphaOff val="0"/>
-              </a:schemeClr>
-            </a:lnRef>
-            <a:fillRef idx="1">
-              <a:schemeClr val="accent1">
-                <a:hueOff val="0"/>
-                <a:satOff val="0"/>
-                <a:lumOff val="0"/>
-                <a:alphaOff val="0"/>
-              </a:schemeClr>
-            </a:fillRef>
-            <a:effectRef idx="0">
-              <a:schemeClr val="accent1">
-                <a:hueOff val="0"/>
-                <a:satOff val="0"/>
-                <a:lumOff val="0"/>
-                <a:alphaOff val="0"/>
-              </a:schemeClr>
-            </a:effectRef>
-            <a:fontRef idx="minor">
-              <a:schemeClr val="lt1"/>
-            </a:fontRef>
-          </p:style>
-          <p:txBody>
-            <a:bodyPr spcFirstLastPara="0" vert="horz" wrap="square" lIns="161561" tIns="161561" rIns="161561" bIns="161561" numCol="1" spcCol="1270" anchor="ctr" anchorCtr="0">
-              <a:noAutofit/>
-            </a:bodyPr>
-            <a:lstStyle/>
-            <a:p>
-              <a:pPr marL="0" lvl="0" indent="0" algn="ctr" defTabSz="1200150">
-                <a:lnSpc>
-                  <a:spcPct val="90000"/>
-                </a:lnSpc>
-                <a:spcBef>
-                  <a:spcPct val="0"/>
-                </a:spcBef>
-                <a:spcAft>
-                  <a:spcPct val="35000"/>
-                </a:spcAft>
-                <a:buNone/>
-              </a:pPr>
-              <a:endParaRPr kumimoji="1" lang="ja-JP" altLang="en-US" sz="2700" kern="1200"/>
-            </a:p>
-          </p:txBody>
-        </p:sp>
-        <p:sp>
-          <p:nvSpPr>
-            <p:cNvPr id="19" name="フリーフォーム: 図形 18">
-              <a:extLst>
-                <a:ext uri="{FF2B5EF4-FFF2-40B4-BE49-F238E27FC236}">
-                  <a16:creationId xmlns:a16="http://schemas.microsoft.com/office/drawing/2014/main" id="{B2E27094-D64A-FD5F-380C-2C74E1D8181E}"/>
-                </a:ext>
-              </a:extLst>
-            </p:cNvPr>
-            <p:cNvSpPr/>
-            <p:nvPr/>
-          </p:nvSpPr>
-          <p:spPr>
-            <a:xfrm>
-              <a:off x="8181683" y="2994467"/>
-              <a:ext cx="869064" cy="869064"/>
-            </a:xfrm>
-            <a:custGeom>
-              <a:avLst/>
-              <a:gdLst>
-                <a:gd name="connsiteX0" fmla="*/ 0 w 869064"/>
-                <a:gd name="connsiteY0" fmla="*/ 434532 h 869064"/>
-                <a:gd name="connsiteX1" fmla="*/ 434532 w 869064"/>
-                <a:gd name="connsiteY1" fmla="*/ 0 h 869064"/>
-                <a:gd name="connsiteX2" fmla="*/ 869064 w 869064"/>
-                <a:gd name="connsiteY2" fmla="*/ 434532 h 869064"/>
-                <a:gd name="connsiteX3" fmla="*/ 434532 w 869064"/>
-                <a:gd name="connsiteY3" fmla="*/ 869064 h 869064"/>
-                <a:gd name="connsiteX4" fmla="*/ 0 w 869064"/>
-                <a:gd name="connsiteY4" fmla="*/ 434532 h 869064"/>
-              </a:gdLst>
-              <a:ahLst/>
-              <a:cxnLst>
-                <a:cxn ang="0">
-                  <a:pos x="connsiteX0" y="connsiteY0"/>
-                </a:cxn>
-                <a:cxn ang="0">
-                  <a:pos x="connsiteX1" y="connsiteY1"/>
-                </a:cxn>
-                <a:cxn ang="0">
-                  <a:pos x="connsiteX2" y="connsiteY2"/>
-                </a:cxn>
-                <a:cxn ang="0">
-                  <a:pos x="connsiteX3" y="connsiteY3"/>
-                </a:cxn>
-                <a:cxn ang="0">
-                  <a:pos x="connsiteX4" y="connsiteY4"/>
-                </a:cxn>
-              </a:cxnLst>
-              <a:rect l="l" t="t" r="r" b="b"/>
-              <a:pathLst>
-                <a:path w="869064" h="869064">
-                  <a:moveTo>
-                    <a:pt x="0" y="434532"/>
-                  </a:moveTo>
-                  <a:cubicBezTo>
-                    <a:pt x="0" y="194547"/>
-                    <a:pt x="194547" y="0"/>
-                    <a:pt x="434532" y="0"/>
-                  </a:cubicBezTo>
-                  <a:cubicBezTo>
-                    <a:pt x="674517" y="0"/>
-                    <a:pt x="869064" y="194547"/>
-                    <a:pt x="869064" y="434532"/>
-                  </a:cubicBezTo>
-                  <a:cubicBezTo>
-                    <a:pt x="869064" y="674517"/>
-                    <a:pt x="674517" y="869064"/>
-                    <a:pt x="434532" y="869064"/>
-                  </a:cubicBezTo>
-                  <a:cubicBezTo>
-                    <a:pt x="194547" y="869064"/>
-                    <a:pt x="0" y="674517"/>
-                    <a:pt x="0" y="434532"/>
-                  </a:cubicBezTo>
-                  <a:close/>
-                </a:path>
-              </a:pathLst>
-            </a:custGeom>
-          </p:spPr>
-          <p:style>
-            <a:lnRef idx="2">
-              <a:schemeClr val="lt1">
-                <a:hueOff val="0"/>
-                <a:satOff val="0"/>
-                <a:lumOff val="0"/>
-                <a:alphaOff val="0"/>
-              </a:schemeClr>
-            </a:lnRef>
-            <a:fillRef idx="1">
-              <a:schemeClr val="accent1">
-                <a:hueOff val="0"/>
-                <a:satOff val="0"/>
-                <a:lumOff val="0"/>
-                <a:alphaOff val="0"/>
-              </a:schemeClr>
-            </a:fillRef>
-            <a:effectRef idx="0">
-              <a:schemeClr val="accent1">
-                <a:hueOff val="0"/>
-                <a:satOff val="0"/>
-                <a:lumOff val="0"/>
-                <a:alphaOff val="0"/>
-              </a:schemeClr>
-            </a:effectRef>
-            <a:fontRef idx="minor">
-              <a:schemeClr val="lt1"/>
-            </a:fontRef>
-          </p:style>
-          <p:txBody>
-            <a:bodyPr spcFirstLastPara="0" vert="horz" wrap="square" lIns="161561" tIns="161561" rIns="161561" bIns="161561" numCol="1" spcCol="1270" anchor="ctr" anchorCtr="0">
-              <a:noAutofit/>
-            </a:bodyPr>
-            <a:lstStyle/>
-            <a:p>
-              <a:pPr marL="0" lvl="0" indent="0" algn="ctr" defTabSz="1200150">
-                <a:lnSpc>
-                  <a:spcPct val="90000"/>
-                </a:lnSpc>
-                <a:spcBef>
-                  <a:spcPct val="0"/>
-                </a:spcBef>
-                <a:spcAft>
-                  <a:spcPct val="35000"/>
-                </a:spcAft>
-                <a:buNone/>
-              </a:pPr>
-              <a:endParaRPr kumimoji="1" lang="ja-JP" altLang="en-US" sz="2700" kern="1200"/>
-            </a:p>
-          </p:txBody>
-        </p:sp>
-        <p:sp>
-          <p:nvSpPr>
-            <p:cNvPr id="21" name="フリーフォーム: 図形 20">
-              <a:extLst>
-                <a:ext uri="{FF2B5EF4-FFF2-40B4-BE49-F238E27FC236}">
-                  <a16:creationId xmlns:a16="http://schemas.microsoft.com/office/drawing/2014/main" id="{39B75EE7-C873-965D-C357-EE87E05D3610}"/>
-                </a:ext>
-              </a:extLst>
-            </p:cNvPr>
-            <p:cNvSpPr/>
-            <p:nvPr/>
-          </p:nvSpPr>
-          <p:spPr>
-            <a:xfrm>
-              <a:off x="7844038" y="4254575"/>
-              <a:ext cx="869064" cy="869064"/>
-            </a:xfrm>
-            <a:custGeom>
-              <a:avLst/>
-              <a:gdLst>
-                <a:gd name="connsiteX0" fmla="*/ 0 w 869064"/>
-                <a:gd name="connsiteY0" fmla="*/ 434532 h 869064"/>
-                <a:gd name="connsiteX1" fmla="*/ 434532 w 869064"/>
-                <a:gd name="connsiteY1" fmla="*/ 0 h 869064"/>
-                <a:gd name="connsiteX2" fmla="*/ 869064 w 869064"/>
-                <a:gd name="connsiteY2" fmla="*/ 434532 h 869064"/>
-                <a:gd name="connsiteX3" fmla="*/ 434532 w 869064"/>
-                <a:gd name="connsiteY3" fmla="*/ 869064 h 869064"/>
-                <a:gd name="connsiteX4" fmla="*/ 0 w 869064"/>
-                <a:gd name="connsiteY4" fmla="*/ 434532 h 869064"/>
-              </a:gdLst>
-              <a:ahLst/>
-              <a:cxnLst>
-                <a:cxn ang="0">
-                  <a:pos x="connsiteX0" y="connsiteY0"/>
-                </a:cxn>
-                <a:cxn ang="0">
-                  <a:pos x="connsiteX1" y="connsiteY1"/>
-                </a:cxn>
-                <a:cxn ang="0">
-                  <a:pos x="connsiteX2" y="connsiteY2"/>
-                </a:cxn>
-                <a:cxn ang="0">
-                  <a:pos x="connsiteX3" y="connsiteY3"/>
-                </a:cxn>
-                <a:cxn ang="0">
-                  <a:pos x="connsiteX4" y="connsiteY4"/>
-                </a:cxn>
-              </a:cxnLst>
-              <a:rect l="l" t="t" r="r" b="b"/>
-              <a:pathLst>
-                <a:path w="869064" h="869064">
-                  <a:moveTo>
-                    <a:pt x="0" y="434532"/>
-                  </a:moveTo>
-                  <a:cubicBezTo>
-                    <a:pt x="0" y="194547"/>
-                    <a:pt x="194547" y="0"/>
-                    <a:pt x="434532" y="0"/>
-                  </a:cubicBezTo>
-                  <a:cubicBezTo>
-                    <a:pt x="674517" y="0"/>
-                    <a:pt x="869064" y="194547"/>
-                    <a:pt x="869064" y="434532"/>
-                  </a:cubicBezTo>
-                  <a:cubicBezTo>
-                    <a:pt x="869064" y="674517"/>
-                    <a:pt x="674517" y="869064"/>
-                    <a:pt x="434532" y="869064"/>
-                  </a:cubicBezTo>
-                  <a:cubicBezTo>
-                    <a:pt x="194547" y="869064"/>
-                    <a:pt x="0" y="674517"/>
-                    <a:pt x="0" y="434532"/>
-                  </a:cubicBezTo>
-                  <a:close/>
-                </a:path>
-              </a:pathLst>
-            </a:custGeom>
-          </p:spPr>
-          <p:style>
-            <a:lnRef idx="2">
-              <a:schemeClr val="lt1">
-                <a:hueOff val="0"/>
-                <a:satOff val="0"/>
-                <a:lumOff val="0"/>
-                <a:alphaOff val="0"/>
-              </a:schemeClr>
-            </a:lnRef>
-            <a:fillRef idx="1">
-              <a:schemeClr val="accent1">
-                <a:hueOff val="0"/>
-                <a:satOff val="0"/>
-                <a:lumOff val="0"/>
-                <a:alphaOff val="0"/>
-              </a:schemeClr>
-            </a:fillRef>
-            <a:effectRef idx="0">
-              <a:schemeClr val="accent1">
-                <a:hueOff val="0"/>
-                <a:satOff val="0"/>
-                <a:lumOff val="0"/>
-                <a:alphaOff val="0"/>
-              </a:schemeClr>
-            </a:effectRef>
-            <a:fontRef idx="minor">
-              <a:schemeClr val="lt1"/>
-            </a:fontRef>
-          </p:style>
-          <p:txBody>
-            <a:bodyPr spcFirstLastPara="0" vert="horz" wrap="square" lIns="161561" tIns="161561" rIns="161561" bIns="161561" numCol="1" spcCol="1270" anchor="ctr" anchorCtr="0">
-              <a:noAutofit/>
-            </a:bodyPr>
-            <a:lstStyle/>
-            <a:p>
-              <a:pPr marL="0" lvl="0" indent="0" algn="ctr" defTabSz="1200150">
-                <a:lnSpc>
-                  <a:spcPct val="90000"/>
-                </a:lnSpc>
-                <a:spcBef>
-                  <a:spcPct val="0"/>
-                </a:spcBef>
-                <a:spcAft>
-                  <a:spcPct val="35000"/>
-                </a:spcAft>
-                <a:buNone/>
-              </a:pPr>
-              <a:endParaRPr kumimoji="1" lang="ja-JP" altLang="en-US" sz="2700" kern="1200"/>
-            </a:p>
-          </p:txBody>
-        </p:sp>
-        <p:sp>
-          <p:nvSpPr>
-            <p:cNvPr id="23" name="フリーフォーム: 図形 22">
-              <a:extLst>
-                <a:ext uri="{FF2B5EF4-FFF2-40B4-BE49-F238E27FC236}">
-                  <a16:creationId xmlns:a16="http://schemas.microsoft.com/office/drawing/2014/main" id="{B1D27883-6613-5D3F-528E-C05A77C29AD8}"/>
-                </a:ext>
-              </a:extLst>
-            </p:cNvPr>
-            <p:cNvSpPr/>
-            <p:nvPr/>
-          </p:nvSpPr>
-          <p:spPr>
-            <a:xfrm>
-              <a:off x="6921575" y="5177039"/>
-              <a:ext cx="869064" cy="869064"/>
-            </a:xfrm>
-            <a:custGeom>
-              <a:avLst/>
-              <a:gdLst>
-                <a:gd name="connsiteX0" fmla="*/ 0 w 869064"/>
-                <a:gd name="connsiteY0" fmla="*/ 434532 h 869064"/>
-                <a:gd name="connsiteX1" fmla="*/ 434532 w 869064"/>
-                <a:gd name="connsiteY1" fmla="*/ 0 h 869064"/>
-                <a:gd name="connsiteX2" fmla="*/ 869064 w 869064"/>
-                <a:gd name="connsiteY2" fmla="*/ 434532 h 869064"/>
-                <a:gd name="connsiteX3" fmla="*/ 434532 w 869064"/>
-                <a:gd name="connsiteY3" fmla="*/ 869064 h 869064"/>
-                <a:gd name="connsiteX4" fmla="*/ 0 w 869064"/>
-                <a:gd name="connsiteY4" fmla="*/ 434532 h 869064"/>
-              </a:gdLst>
-              <a:ahLst/>
-              <a:cxnLst>
-                <a:cxn ang="0">
-                  <a:pos x="connsiteX0" y="connsiteY0"/>
-                </a:cxn>
-                <a:cxn ang="0">
-                  <a:pos x="connsiteX1" y="connsiteY1"/>
-                </a:cxn>
-                <a:cxn ang="0">
-                  <a:pos x="connsiteX2" y="connsiteY2"/>
-                </a:cxn>
-                <a:cxn ang="0">
-                  <a:pos x="connsiteX3" y="connsiteY3"/>
-                </a:cxn>
-                <a:cxn ang="0">
-                  <a:pos x="connsiteX4" y="connsiteY4"/>
-                </a:cxn>
-              </a:cxnLst>
-              <a:rect l="l" t="t" r="r" b="b"/>
-              <a:pathLst>
-                <a:path w="869064" h="869064">
-                  <a:moveTo>
-                    <a:pt x="0" y="434532"/>
-                  </a:moveTo>
-                  <a:cubicBezTo>
-                    <a:pt x="0" y="194547"/>
-                    <a:pt x="194547" y="0"/>
-                    <a:pt x="434532" y="0"/>
-                  </a:cubicBezTo>
-                  <a:cubicBezTo>
-                    <a:pt x="674517" y="0"/>
-                    <a:pt x="869064" y="194547"/>
-                    <a:pt x="869064" y="434532"/>
-                  </a:cubicBezTo>
-                  <a:cubicBezTo>
-                    <a:pt x="869064" y="674517"/>
-                    <a:pt x="674517" y="869064"/>
-                    <a:pt x="434532" y="869064"/>
-                  </a:cubicBezTo>
-                  <a:cubicBezTo>
-                    <a:pt x="194547" y="869064"/>
-                    <a:pt x="0" y="674517"/>
-                    <a:pt x="0" y="434532"/>
-                  </a:cubicBezTo>
-                  <a:close/>
-                </a:path>
-              </a:pathLst>
-            </a:custGeom>
-          </p:spPr>
-          <p:style>
-            <a:lnRef idx="2">
-              <a:schemeClr val="lt1">
-                <a:hueOff val="0"/>
-                <a:satOff val="0"/>
-                <a:lumOff val="0"/>
-                <a:alphaOff val="0"/>
-              </a:schemeClr>
-            </a:lnRef>
-            <a:fillRef idx="1">
-              <a:schemeClr val="accent1">
-                <a:hueOff val="0"/>
-                <a:satOff val="0"/>
-                <a:lumOff val="0"/>
-                <a:alphaOff val="0"/>
-              </a:schemeClr>
-            </a:fillRef>
-            <a:effectRef idx="0">
-              <a:schemeClr val="accent1">
-                <a:hueOff val="0"/>
-                <a:satOff val="0"/>
-                <a:lumOff val="0"/>
-                <a:alphaOff val="0"/>
-              </a:schemeClr>
-            </a:effectRef>
-            <a:fontRef idx="minor">
-              <a:schemeClr val="lt1"/>
-            </a:fontRef>
-          </p:style>
-          <p:txBody>
-            <a:bodyPr spcFirstLastPara="0" vert="horz" wrap="square" lIns="161561" tIns="161561" rIns="161561" bIns="161561" numCol="1" spcCol="1270" anchor="ctr" anchorCtr="0">
-              <a:noAutofit/>
-            </a:bodyPr>
-            <a:lstStyle/>
-            <a:p>
-              <a:pPr marL="0" lvl="0" indent="0" algn="ctr" defTabSz="1200150">
-                <a:lnSpc>
-                  <a:spcPct val="90000"/>
-                </a:lnSpc>
-                <a:spcBef>
-                  <a:spcPct val="0"/>
-                </a:spcBef>
-                <a:spcAft>
-                  <a:spcPct val="35000"/>
-                </a:spcAft>
-                <a:buNone/>
-              </a:pPr>
-              <a:endParaRPr kumimoji="1" lang="ja-JP" altLang="en-US" sz="2700" kern="1200"/>
-            </a:p>
-          </p:txBody>
-        </p:sp>
-        <p:sp>
-          <p:nvSpPr>
-            <p:cNvPr id="25" name="フリーフォーム: 図形 24">
-              <a:extLst>
-                <a:ext uri="{FF2B5EF4-FFF2-40B4-BE49-F238E27FC236}">
-                  <a16:creationId xmlns:a16="http://schemas.microsoft.com/office/drawing/2014/main" id="{1A517D74-421E-86CB-8572-399D39F076D5}"/>
-                </a:ext>
-              </a:extLst>
-            </p:cNvPr>
-            <p:cNvSpPr/>
-            <p:nvPr/>
-          </p:nvSpPr>
-          <p:spPr>
-            <a:xfrm>
-              <a:off x="5661467" y="5514683"/>
-              <a:ext cx="869064" cy="869064"/>
-            </a:xfrm>
-            <a:custGeom>
-              <a:avLst/>
-              <a:gdLst>
-                <a:gd name="connsiteX0" fmla="*/ 0 w 869064"/>
-                <a:gd name="connsiteY0" fmla="*/ 434532 h 869064"/>
-                <a:gd name="connsiteX1" fmla="*/ 434532 w 869064"/>
-                <a:gd name="connsiteY1" fmla="*/ 0 h 869064"/>
-                <a:gd name="connsiteX2" fmla="*/ 869064 w 869064"/>
-                <a:gd name="connsiteY2" fmla="*/ 434532 h 869064"/>
-                <a:gd name="connsiteX3" fmla="*/ 434532 w 869064"/>
-                <a:gd name="connsiteY3" fmla="*/ 869064 h 869064"/>
-                <a:gd name="connsiteX4" fmla="*/ 0 w 869064"/>
-                <a:gd name="connsiteY4" fmla="*/ 434532 h 869064"/>
-              </a:gdLst>
-              <a:ahLst/>
-              <a:cxnLst>
-                <a:cxn ang="0">
-                  <a:pos x="connsiteX0" y="connsiteY0"/>
-                </a:cxn>
-                <a:cxn ang="0">
-                  <a:pos x="connsiteX1" y="connsiteY1"/>
-                </a:cxn>
-                <a:cxn ang="0">
-                  <a:pos x="connsiteX2" y="connsiteY2"/>
-                </a:cxn>
-                <a:cxn ang="0">
-                  <a:pos x="connsiteX3" y="connsiteY3"/>
-                </a:cxn>
-                <a:cxn ang="0">
-                  <a:pos x="connsiteX4" y="connsiteY4"/>
-                </a:cxn>
-              </a:cxnLst>
-              <a:rect l="l" t="t" r="r" b="b"/>
-              <a:pathLst>
-                <a:path w="869064" h="869064">
-                  <a:moveTo>
-                    <a:pt x="0" y="434532"/>
-                  </a:moveTo>
-                  <a:cubicBezTo>
-                    <a:pt x="0" y="194547"/>
-                    <a:pt x="194547" y="0"/>
-                    <a:pt x="434532" y="0"/>
-                  </a:cubicBezTo>
-                  <a:cubicBezTo>
-                    <a:pt x="674517" y="0"/>
-                    <a:pt x="869064" y="194547"/>
-                    <a:pt x="869064" y="434532"/>
-                  </a:cubicBezTo>
-                  <a:cubicBezTo>
-                    <a:pt x="869064" y="674517"/>
-                    <a:pt x="674517" y="869064"/>
-                    <a:pt x="434532" y="869064"/>
-                  </a:cubicBezTo>
-                  <a:cubicBezTo>
-                    <a:pt x="194547" y="869064"/>
-                    <a:pt x="0" y="674517"/>
-                    <a:pt x="0" y="434532"/>
-                  </a:cubicBezTo>
-                  <a:close/>
-                </a:path>
-              </a:pathLst>
-            </a:custGeom>
-          </p:spPr>
-          <p:style>
-            <a:lnRef idx="2">
-              <a:schemeClr val="lt1">
-                <a:hueOff val="0"/>
-                <a:satOff val="0"/>
-                <a:lumOff val="0"/>
-                <a:alphaOff val="0"/>
-              </a:schemeClr>
-            </a:lnRef>
-            <a:fillRef idx="1">
-              <a:schemeClr val="accent1">
-                <a:hueOff val="0"/>
-                <a:satOff val="0"/>
-                <a:lumOff val="0"/>
-                <a:alphaOff val="0"/>
-              </a:schemeClr>
-            </a:fillRef>
-            <a:effectRef idx="0">
-              <a:schemeClr val="accent1">
-                <a:hueOff val="0"/>
-                <a:satOff val="0"/>
-                <a:lumOff val="0"/>
-                <a:alphaOff val="0"/>
-              </a:schemeClr>
-            </a:effectRef>
-            <a:fontRef idx="minor">
-              <a:schemeClr val="lt1"/>
-            </a:fontRef>
-          </p:style>
-          <p:txBody>
-            <a:bodyPr spcFirstLastPara="0" vert="horz" wrap="square" lIns="161561" tIns="161561" rIns="161561" bIns="161561" numCol="1" spcCol="1270" anchor="ctr" anchorCtr="0">
-              <a:noAutofit/>
-            </a:bodyPr>
-            <a:lstStyle/>
-            <a:p>
-              <a:pPr marL="0" lvl="0" indent="0" algn="ctr" defTabSz="1200150">
-                <a:lnSpc>
-                  <a:spcPct val="90000"/>
-                </a:lnSpc>
-                <a:spcBef>
-                  <a:spcPct val="0"/>
-                </a:spcBef>
-                <a:spcAft>
-                  <a:spcPct val="35000"/>
-                </a:spcAft>
-                <a:buNone/>
-              </a:pPr>
-              <a:endParaRPr kumimoji="1" lang="ja-JP" altLang="en-US" sz="2700" kern="1200"/>
-            </a:p>
-          </p:txBody>
-        </p:sp>
-        <p:sp>
-          <p:nvSpPr>
-            <p:cNvPr id="27" name="フリーフォーム: 図形 26">
-              <a:extLst>
-                <a:ext uri="{FF2B5EF4-FFF2-40B4-BE49-F238E27FC236}">
-                  <a16:creationId xmlns:a16="http://schemas.microsoft.com/office/drawing/2014/main" id="{27238241-9C1C-3D28-50A9-3B1E776A332D}"/>
-                </a:ext>
-              </a:extLst>
-            </p:cNvPr>
-            <p:cNvSpPr/>
-            <p:nvPr/>
-          </p:nvSpPr>
-          <p:spPr>
-            <a:xfrm>
-              <a:off x="4401359" y="5177039"/>
-              <a:ext cx="869064" cy="869064"/>
-            </a:xfrm>
-            <a:custGeom>
-              <a:avLst/>
-              <a:gdLst>
-                <a:gd name="connsiteX0" fmla="*/ 0 w 869064"/>
-                <a:gd name="connsiteY0" fmla="*/ 434532 h 869064"/>
-                <a:gd name="connsiteX1" fmla="*/ 434532 w 869064"/>
-                <a:gd name="connsiteY1" fmla="*/ 0 h 869064"/>
-                <a:gd name="connsiteX2" fmla="*/ 869064 w 869064"/>
-                <a:gd name="connsiteY2" fmla="*/ 434532 h 869064"/>
-                <a:gd name="connsiteX3" fmla="*/ 434532 w 869064"/>
-                <a:gd name="connsiteY3" fmla="*/ 869064 h 869064"/>
-                <a:gd name="connsiteX4" fmla="*/ 0 w 869064"/>
-                <a:gd name="connsiteY4" fmla="*/ 434532 h 869064"/>
-              </a:gdLst>
-              <a:ahLst/>
-              <a:cxnLst>
-                <a:cxn ang="0">
-                  <a:pos x="connsiteX0" y="connsiteY0"/>
-                </a:cxn>
-                <a:cxn ang="0">
-                  <a:pos x="connsiteX1" y="connsiteY1"/>
-                </a:cxn>
-                <a:cxn ang="0">
-                  <a:pos x="connsiteX2" y="connsiteY2"/>
-                </a:cxn>
-                <a:cxn ang="0">
-                  <a:pos x="connsiteX3" y="connsiteY3"/>
-                </a:cxn>
-                <a:cxn ang="0">
-                  <a:pos x="connsiteX4" y="connsiteY4"/>
-                </a:cxn>
-              </a:cxnLst>
-              <a:rect l="l" t="t" r="r" b="b"/>
-              <a:pathLst>
-                <a:path w="869064" h="869064">
-                  <a:moveTo>
-                    <a:pt x="0" y="434532"/>
-                  </a:moveTo>
-                  <a:cubicBezTo>
-                    <a:pt x="0" y="194547"/>
-                    <a:pt x="194547" y="0"/>
-                    <a:pt x="434532" y="0"/>
-                  </a:cubicBezTo>
-                  <a:cubicBezTo>
-                    <a:pt x="674517" y="0"/>
-                    <a:pt x="869064" y="194547"/>
-                    <a:pt x="869064" y="434532"/>
-                  </a:cubicBezTo>
-                  <a:cubicBezTo>
-                    <a:pt x="869064" y="674517"/>
-                    <a:pt x="674517" y="869064"/>
-                    <a:pt x="434532" y="869064"/>
-                  </a:cubicBezTo>
-                  <a:cubicBezTo>
-                    <a:pt x="194547" y="869064"/>
-                    <a:pt x="0" y="674517"/>
-                    <a:pt x="0" y="434532"/>
-                  </a:cubicBezTo>
-                  <a:close/>
-                </a:path>
-              </a:pathLst>
-            </a:custGeom>
-          </p:spPr>
-          <p:style>
-            <a:lnRef idx="2">
-              <a:schemeClr val="lt1">
-                <a:hueOff val="0"/>
-                <a:satOff val="0"/>
-                <a:lumOff val="0"/>
-                <a:alphaOff val="0"/>
-              </a:schemeClr>
-            </a:lnRef>
-            <a:fillRef idx="1">
-              <a:schemeClr val="accent1">
-                <a:hueOff val="0"/>
-                <a:satOff val="0"/>
-                <a:lumOff val="0"/>
-                <a:alphaOff val="0"/>
-              </a:schemeClr>
-            </a:fillRef>
-            <a:effectRef idx="0">
-              <a:schemeClr val="accent1">
-                <a:hueOff val="0"/>
-                <a:satOff val="0"/>
-                <a:lumOff val="0"/>
-                <a:alphaOff val="0"/>
-              </a:schemeClr>
-            </a:effectRef>
-            <a:fontRef idx="minor">
-              <a:schemeClr val="lt1"/>
-            </a:fontRef>
-          </p:style>
-          <p:txBody>
-            <a:bodyPr spcFirstLastPara="0" vert="horz" wrap="square" lIns="161561" tIns="161561" rIns="161561" bIns="161561" numCol="1" spcCol="1270" anchor="ctr" anchorCtr="0">
-              <a:noAutofit/>
-            </a:bodyPr>
-            <a:lstStyle/>
-            <a:p>
-              <a:pPr marL="0" lvl="0" indent="0" algn="ctr" defTabSz="1200150">
-                <a:lnSpc>
-                  <a:spcPct val="90000"/>
-                </a:lnSpc>
-                <a:spcBef>
-                  <a:spcPct val="0"/>
-                </a:spcBef>
-                <a:spcAft>
-                  <a:spcPct val="35000"/>
-                </a:spcAft>
-                <a:buNone/>
-              </a:pPr>
-              <a:endParaRPr kumimoji="1" lang="ja-JP" altLang="en-US" sz="2700" kern="1200"/>
-            </a:p>
-          </p:txBody>
-        </p:sp>
-        <p:sp>
-          <p:nvSpPr>
-            <p:cNvPr id="31" name="フリーフォーム: 図形 30">
-              <a:extLst>
-                <a:ext uri="{FF2B5EF4-FFF2-40B4-BE49-F238E27FC236}">
-                  <a16:creationId xmlns:a16="http://schemas.microsoft.com/office/drawing/2014/main" id="{20BFEFFB-80B3-E298-24A0-B4BAF0542AD9}"/>
-                </a:ext>
-              </a:extLst>
-            </p:cNvPr>
-            <p:cNvSpPr/>
-            <p:nvPr/>
-          </p:nvSpPr>
-          <p:spPr>
-            <a:xfrm>
-              <a:off x="3141251" y="2994467"/>
-              <a:ext cx="869064" cy="869064"/>
-            </a:xfrm>
-            <a:custGeom>
-              <a:avLst/>
-              <a:gdLst>
-                <a:gd name="connsiteX0" fmla="*/ 0 w 869064"/>
-                <a:gd name="connsiteY0" fmla="*/ 434532 h 869064"/>
-                <a:gd name="connsiteX1" fmla="*/ 434532 w 869064"/>
-                <a:gd name="connsiteY1" fmla="*/ 0 h 869064"/>
-                <a:gd name="connsiteX2" fmla="*/ 869064 w 869064"/>
-                <a:gd name="connsiteY2" fmla="*/ 434532 h 869064"/>
-                <a:gd name="connsiteX3" fmla="*/ 434532 w 869064"/>
-                <a:gd name="connsiteY3" fmla="*/ 869064 h 869064"/>
-                <a:gd name="connsiteX4" fmla="*/ 0 w 869064"/>
-                <a:gd name="connsiteY4" fmla="*/ 434532 h 869064"/>
-              </a:gdLst>
-              <a:ahLst/>
-              <a:cxnLst>
-                <a:cxn ang="0">
-                  <a:pos x="connsiteX0" y="connsiteY0"/>
-                </a:cxn>
-                <a:cxn ang="0">
-                  <a:pos x="connsiteX1" y="connsiteY1"/>
-                </a:cxn>
-                <a:cxn ang="0">
-                  <a:pos x="connsiteX2" y="connsiteY2"/>
-                </a:cxn>
-                <a:cxn ang="0">
-                  <a:pos x="connsiteX3" y="connsiteY3"/>
-                </a:cxn>
-                <a:cxn ang="0">
-                  <a:pos x="connsiteX4" y="connsiteY4"/>
-                </a:cxn>
-              </a:cxnLst>
-              <a:rect l="l" t="t" r="r" b="b"/>
-              <a:pathLst>
-                <a:path w="869064" h="869064">
-                  <a:moveTo>
-                    <a:pt x="0" y="434532"/>
-                  </a:moveTo>
-                  <a:cubicBezTo>
-                    <a:pt x="0" y="194547"/>
-                    <a:pt x="194547" y="0"/>
-                    <a:pt x="434532" y="0"/>
-                  </a:cubicBezTo>
-                  <a:cubicBezTo>
-                    <a:pt x="674517" y="0"/>
-                    <a:pt x="869064" y="194547"/>
-                    <a:pt x="869064" y="434532"/>
-                  </a:cubicBezTo>
-                  <a:cubicBezTo>
-                    <a:pt x="869064" y="674517"/>
-                    <a:pt x="674517" y="869064"/>
-                    <a:pt x="434532" y="869064"/>
-                  </a:cubicBezTo>
-                  <a:cubicBezTo>
-                    <a:pt x="194547" y="869064"/>
-                    <a:pt x="0" y="674517"/>
-                    <a:pt x="0" y="434532"/>
-                  </a:cubicBezTo>
-                  <a:close/>
-                </a:path>
-              </a:pathLst>
-            </a:custGeom>
-          </p:spPr>
-          <p:style>
-            <a:lnRef idx="2">
-              <a:schemeClr val="lt1">
-                <a:hueOff val="0"/>
-                <a:satOff val="0"/>
-                <a:lumOff val="0"/>
-                <a:alphaOff val="0"/>
-              </a:schemeClr>
-            </a:lnRef>
-            <a:fillRef idx="1">
-              <a:schemeClr val="accent1">
-                <a:hueOff val="0"/>
-                <a:satOff val="0"/>
-                <a:lumOff val="0"/>
-                <a:alphaOff val="0"/>
-              </a:schemeClr>
-            </a:fillRef>
-            <a:effectRef idx="0">
-              <a:schemeClr val="accent1">
-                <a:hueOff val="0"/>
-                <a:satOff val="0"/>
-                <a:lumOff val="0"/>
-                <a:alphaOff val="0"/>
-              </a:schemeClr>
-            </a:effectRef>
-            <a:fontRef idx="minor">
-              <a:schemeClr val="lt1"/>
-            </a:fontRef>
-          </p:style>
-          <p:txBody>
-            <a:bodyPr spcFirstLastPara="0" vert="horz" wrap="square" lIns="161561" tIns="161561" rIns="161561" bIns="161561" numCol="1" spcCol="1270" anchor="ctr" anchorCtr="0">
-              <a:noAutofit/>
-            </a:bodyPr>
-            <a:lstStyle/>
-            <a:p>
-              <a:pPr marL="0" lvl="0" indent="0" algn="ctr" defTabSz="1200150">
-                <a:lnSpc>
-                  <a:spcPct val="90000"/>
-                </a:lnSpc>
-                <a:spcBef>
-                  <a:spcPct val="0"/>
-                </a:spcBef>
-                <a:spcAft>
-                  <a:spcPct val="35000"/>
-                </a:spcAft>
-                <a:buNone/>
-              </a:pPr>
-              <a:endParaRPr kumimoji="1" lang="ja-JP" altLang="en-US" sz="2700" kern="1200" dirty="0"/>
-            </a:p>
-          </p:txBody>
-        </p:sp>
-        <p:sp>
-          <p:nvSpPr>
-            <p:cNvPr id="33" name="フリーフォーム: 図形 32">
-              <a:extLst>
-                <a:ext uri="{FF2B5EF4-FFF2-40B4-BE49-F238E27FC236}">
-                  <a16:creationId xmlns:a16="http://schemas.microsoft.com/office/drawing/2014/main" id="{64ABCFAA-FEF2-E5E9-FAF4-12D1F4B834A2}"/>
-                </a:ext>
-              </a:extLst>
-            </p:cNvPr>
-            <p:cNvSpPr/>
-            <p:nvPr/>
-          </p:nvSpPr>
-          <p:spPr>
-            <a:xfrm>
-              <a:off x="3478896" y="1734359"/>
-              <a:ext cx="869064" cy="869064"/>
-            </a:xfrm>
-            <a:custGeom>
-              <a:avLst/>
-              <a:gdLst>
-                <a:gd name="connsiteX0" fmla="*/ 0 w 869064"/>
-                <a:gd name="connsiteY0" fmla="*/ 434532 h 869064"/>
-                <a:gd name="connsiteX1" fmla="*/ 434532 w 869064"/>
-                <a:gd name="connsiteY1" fmla="*/ 0 h 869064"/>
-                <a:gd name="connsiteX2" fmla="*/ 869064 w 869064"/>
-                <a:gd name="connsiteY2" fmla="*/ 434532 h 869064"/>
-                <a:gd name="connsiteX3" fmla="*/ 434532 w 869064"/>
-                <a:gd name="connsiteY3" fmla="*/ 869064 h 869064"/>
-                <a:gd name="connsiteX4" fmla="*/ 0 w 869064"/>
-                <a:gd name="connsiteY4" fmla="*/ 434532 h 869064"/>
-              </a:gdLst>
-              <a:ahLst/>
-              <a:cxnLst>
-                <a:cxn ang="0">
-                  <a:pos x="connsiteX0" y="connsiteY0"/>
-                </a:cxn>
-                <a:cxn ang="0">
-                  <a:pos x="connsiteX1" y="connsiteY1"/>
-                </a:cxn>
-                <a:cxn ang="0">
-                  <a:pos x="connsiteX2" y="connsiteY2"/>
-                </a:cxn>
-                <a:cxn ang="0">
-                  <a:pos x="connsiteX3" y="connsiteY3"/>
-                </a:cxn>
-                <a:cxn ang="0">
-                  <a:pos x="connsiteX4" y="connsiteY4"/>
-                </a:cxn>
-              </a:cxnLst>
-              <a:rect l="l" t="t" r="r" b="b"/>
-              <a:pathLst>
-                <a:path w="869064" h="869064">
-                  <a:moveTo>
-                    <a:pt x="0" y="434532"/>
-                  </a:moveTo>
-                  <a:cubicBezTo>
-                    <a:pt x="0" y="194547"/>
-                    <a:pt x="194547" y="0"/>
-                    <a:pt x="434532" y="0"/>
-                  </a:cubicBezTo>
-                  <a:cubicBezTo>
-                    <a:pt x="674517" y="0"/>
-                    <a:pt x="869064" y="194547"/>
-                    <a:pt x="869064" y="434532"/>
-                  </a:cubicBezTo>
-                  <a:cubicBezTo>
-                    <a:pt x="869064" y="674517"/>
-                    <a:pt x="674517" y="869064"/>
-                    <a:pt x="434532" y="869064"/>
-                  </a:cubicBezTo>
-                  <a:cubicBezTo>
-                    <a:pt x="194547" y="869064"/>
-                    <a:pt x="0" y="674517"/>
-                    <a:pt x="0" y="434532"/>
-                  </a:cubicBezTo>
-                  <a:close/>
-                </a:path>
-              </a:pathLst>
-            </a:custGeom>
-          </p:spPr>
-          <p:style>
-            <a:lnRef idx="2">
-              <a:schemeClr val="lt1">
-                <a:hueOff val="0"/>
-                <a:satOff val="0"/>
-                <a:lumOff val="0"/>
-                <a:alphaOff val="0"/>
-              </a:schemeClr>
-            </a:lnRef>
-            <a:fillRef idx="1">
-              <a:schemeClr val="accent1">
-                <a:hueOff val="0"/>
-                <a:satOff val="0"/>
-                <a:lumOff val="0"/>
-                <a:alphaOff val="0"/>
-              </a:schemeClr>
-            </a:fillRef>
-            <a:effectRef idx="0">
-              <a:schemeClr val="accent1">
-                <a:hueOff val="0"/>
-                <a:satOff val="0"/>
-                <a:lumOff val="0"/>
-                <a:alphaOff val="0"/>
-              </a:schemeClr>
-            </a:effectRef>
-            <a:fontRef idx="minor">
-              <a:schemeClr val="lt1"/>
-            </a:fontRef>
-          </p:style>
-          <p:txBody>
-            <a:bodyPr spcFirstLastPara="0" vert="horz" wrap="square" lIns="161561" tIns="161561" rIns="161561" bIns="161561" numCol="1" spcCol="1270" anchor="ctr" anchorCtr="0">
-              <a:noAutofit/>
-            </a:bodyPr>
-            <a:lstStyle/>
-            <a:p>
-              <a:pPr marL="0" lvl="0" indent="0" algn="ctr" defTabSz="1200150">
-                <a:lnSpc>
-                  <a:spcPct val="90000"/>
-                </a:lnSpc>
-                <a:spcBef>
-                  <a:spcPct val="0"/>
-                </a:spcBef>
-                <a:spcAft>
-                  <a:spcPct val="35000"/>
-                </a:spcAft>
-                <a:buNone/>
-              </a:pPr>
-              <a:endParaRPr kumimoji="1" lang="ja-JP" altLang="en-US" sz="2700" kern="1200" dirty="0"/>
-            </a:p>
-          </p:txBody>
-        </p:sp>
-        <p:sp>
-          <p:nvSpPr>
-            <p:cNvPr id="35" name="フリーフォーム: 図形 34">
-              <a:extLst>
-                <a:ext uri="{FF2B5EF4-FFF2-40B4-BE49-F238E27FC236}">
-                  <a16:creationId xmlns:a16="http://schemas.microsoft.com/office/drawing/2014/main" id="{9F701888-6B47-D212-A06D-6CD955C7108D}"/>
-                </a:ext>
-              </a:extLst>
-            </p:cNvPr>
-            <p:cNvSpPr/>
-            <p:nvPr/>
-          </p:nvSpPr>
-          <p:spPr>
-            <a:xfrm>
-              <a:off x="4401359" y="811896"/>
-              <a:ext cx="869064" cy="869064"/>
-            </a:xfrm>
-            <a:custGeom>
-              <a:avLst/>
-              <a:gdLst>
-                <a:gd name="connsiteX0" fmla="*/ 0 w 869064"/>
-                <a:gd name="connsiteY0" fmla="*/ 434532 h 869064"/>
-                <a:gd name="connsiteX1" fmla="*/ 434532 w 869064"/>
-                <a:gd name="connsiteY1" fmla="*/ 0 h 869064"/>
-                <a:gd name="connsiteX2" fmla="*/ 869064 w 869064"/>
-                <a:gd name="connsiteY2" fmla="*/ 434532 h 869064"/>
-                <a:gd name="connsiteX3" fmla="*/ 434532 w 869064"/>
-                <a:gd name="connsiteY3" fmla="*/ 869064 h 869064"/>
-                <a:gd name="connsiteX4" fmla="*/ 0 w 869064"/>
-                <a:gd name="connsiteY4" fmla="*/ 434532 h 869064"/>
-              </a:gdLst>
-              <a:ahLst/>
-              <a:cxnLst>
-                <a:cxn ang="0">
-                  <a:pos x="connsiteX0" y="connsiteY0"/>
-                </a:cxn>
-                <a:cxn ang="0">
-                  <a:pos x="connsiteX1" y="connsiteY1"/>
-                </a:cxn>
-                <a:cxn ang="0">
-                  <a:pos x="connsiteX2" y="connsiteY2"/>
-                </a:cxn>
-                <a:cxn ang="0">
-                  <a:pos x="connsiteX3" y="connsiteY3"/>
-                </a:cxn>
-                <a:cxn ang="0">
-                  <a:pos x="connsiteX4" y="connsiteY4"/>
-                </a:cxn>
-              </a:cxnLst>
-              <a:rect l="l" t="t" r="r" b="b"/>
-              <a:pathLst>
-                <a:path w="869064" h="869064">
-                  <a:moveTo>
-                    <a:pt x="0" y="434532"/>
-                  </a:moveTo>
-                  <a:cubicBezTo>
-                    <a:pt x="0" y="194547"/>
-                    <a:pt x="194547" y="0"/>
-                    <a:pt x="434532" y="0"/>
-                  </a:cubicBezTo>
-                  <a:cubicBezTo>
-                    <a:pt x="674517" y="0"/>
-                    <a:pt x="869064" y="194547"/>
-                    <a:pt x="869064" y="434532"/>
-                  </a:cubicBezTo>
-                  <a:cubicBezTo>
-                    <a:pt x="869064" y="674517"/>
-                    <a:pt x="674517" y="869064"/>
-                    <a:pt x="434532" y="869064"/>
-                  </a:cubicBezTo>
-                  <a:cubicBezTo>
-                    <a:pt x="194547" y="869064"/>
-                    <a:pt x="0" y="674517"/>
-                    <a:pt x="0" y="434532"/>
-                  </a:cubicBezTo>
-                  <a:close/>
-                </a:path>
-              </a:pathLst>
-            </a:custGeom>
-          </p:spPr>
-          <p:style>
-            <a:lnRef idx="2">
-              <a:schemeClr val="lt1">
-                <a:hueOff val="0"/>
-                <a:satOff val="0"/>
-                <a:lumOff val="0"/>
-                <a:alphaOff val="0"/>
-              </a:schemeClr>
-            </a:lnRef>
-            <a:fillRef idx="1">
-              <a:schemeClr val="accent1">
-                <a:hueOff val="0"/>
-                <a:satOff val="0"/>
-                <a:lumOff val="0"/>
-                <a:alphaOff val="0"/>
-              </a:schemeClr>
-            </a:fillRef>
-            <a:effectRef idx="0">
-              <a:schemeClr val="accent1">
-                <a:hueOff val="0"/>
-                <a:satOff val="0"/>
-                <a:lumOff val="0"/>
-                <a:alphaOff val="0"/>
-              </a:schemeClr>
-            </a:effectRef>
-            <a:fontRef idx="minor">
-              <a:schemeClr val="lt1"/>
-            </a:fontRef>
-          </p:style>
-          <p:txBody>
-            <a:bodyPr spcFirstLastPara="0" vert="horz" wrap="square" lIns="161561" tIns="161561" rIns="161561" bIns="161561" numCol="1" spcCol="1270" anchor="ctr" anchorCtr="0">
-              <a:noAutofit/>
-            </a:bodyPr>
-            <a:lstStyle/>
-            <a:p>
-              <a:pPr marL="0" lvl="0" indent="0" algn="ctr" defTabSz="1200150">
-                <a:lnSpc>
-                  <a:spcPct val="90000"/>
-                </a:lnSpc>
-                <a:spcBef>
-                  <a:spcPct val="0"/>
-                </a:spcBef>
-                <a:spcAft>
-                  <a:spcPct val="35000"/>
-                </a:spcAft>
-                <a:buNone/>
-              </a:pPr>
-              <a:endParaRPr kumimoji="1" lang="ja-JP" altLang="en-US" sz="2700" kern="1200"/>
-            </a:p>
-          </p:txBody>
-        </p:sp>
-      </p:grpSp>
       <p:pic>
         <p:nvPicPr>
           <p:cNvPr id="48" name="図 47" descr="アイコン&#10;&#10;自動的に生成された説明">
@@ -9602,10 +8806,10 @@
       </p:pic>
       <p:pic>
         <p:nvPicPr>
-          <p:cNvPr id="50" name="図 49" descr="図形&#10;&#10;自動的に生成された説明">
-            <a:extLst>
-              <a:ext uri="{FF2B5EF4-FFF2-40B4-BE49-F238E27FC236}">
-                <a16:creationId xmlns:a16="http://schemas.microsoft.com/office/drawing/2014/main" id="{FBDC6E95-F4C1-D2B4-F309-01DA55E80BF4}"/>
+          <p:cNvPr id="58" name="図 57" descr="アイコン&#10;&#10;自動的に生成された説明">
+            <a:extLst>
+              <a:ext uri="{FF2B5EF4-FFF2-40B4-BE49-F238E27FC236}">
+                <a16:creationId xmlns:a16="http://schemas.microsoft.com/office/drawing/2014/main" id="{8AA9BA37-40C8-A6B1-BA04-20DF2F8C30F6}"/>
               </a:ext>
             </a:extLst>
           </p:cNvPr>
@@ -9628,7 +8832,7 @@
         </p:blipFill>
         <p:spPr>
           <a:xfrm>
-            <a:off x="7763828" y="1719130"/>
+            <a:off x="5701416" y="5498740"/>
             <a:ext cx="900000" cy="900000"/>
           </a:xfrm>
           <a:prstGeom prst="rect">
@@ -9638,10 +8842,10 @@
       </p:pic>
       <p:pic>
         <p:nvPicPr>
-          <p:cNvPr id="52" name="図 51" descr="図形, 円&#10;&#10;自動的に生成された説明">
-            <a:extLst>
-              <a:ext uri="{FF2B5EF4-FFF2-40B4-BE49-F238E27FC236}">
-                <a16:creationId xmlns:a16="http://schemas.microsoft.com/office/drawing/2014/main" id="{1005DE04-F963-3721-B27C-535C68545B81}"/>
+          <p:cNvPr id="62" name="図 61" descr="アイコン&#10;&#10;自動的に生成された説明">
+            <a:extLst>
+              <a:ext uri="{FF2B5EF4-FFF2-40B4-BE49-F238E27FC236}">
+                <a16:creationId xmlns:a16="http://schemas.microsoft.com/office/drawing/2014/main" id="{950BC751-2417-4092-2583-4787A0ED588A}"/>
               </a:ext>
             </a:extLst>
           </p:cNvPr>
@@ -9664,7 +8868,7 @@
         </p:blipFill>
         <p:spPr>
           <a:xfrm>
-            <a:off x="8082467" y="2986775"/>
+            <a:off x="3535957" y="4280790"/>
             <a:ext cx="900000" cy="900000"/>
           </a:xfrm>
           <a:prstGeom prst="rect">
@@ -9674,10 +8878,10 @@
       </p:pic>
       <p:pic>
         <p:nvPicPr>
-          <p:cNvPr id="54" name="図 53" descr="図形&#10;&#10;低い精度で自動的に生成された説明">
-            <a:extLst>
-              <a:ext uri="{FF2B5EF4-FFF2-40B4-BE49-F238E27FC236}">
-                <a16:creationId xmlns:a16="http://schemas.microsoft.com/office/drawing/2014/main" id="{9835A620-BF13-4955-87EC-498EC2FA95B0}"/>
+          <p:cNvPr id="4" name="図 3" descr="アイコン&#10;&#10;自動的に生成された説明">
+            <a:extLst>
+              <a:ext uri="{FF2B5EF4-FFF2-40B4-BE49-F238E27FC236}">
+                <a16:creationId xmlns:a16="http://schemas.microsoft.com/office/drawing/2014/main" id="{059D44A6-3528-DC5E-D55D-F05304EE04EC}"/>
               </a:ext>
             </a:extLst>
           </p:cNvPr>
@@ -9700,7 +8904,7 @@
         </p:blipFill>
         <p:spPr>
           <a:xfrm>
-            <a:off x="6834325" y="5161813"/>
+            <a:off x="6863828" y="796841"/>
             <a:ext cx="900000" cy="900000"/>
           </a:xfrm>
           <a:prstGeom prst="rect">
@@ -9710,10 +8914,10 @@
       </p:pic>
       <p:pic>
         <p:nvPicPr>
-          <p:cNvPr id="56" name="図 55" descr="図形, 円&#10;&#10;自動的に生成された説明">
-            <a:extLst>
-              <a:ext uri="{FF2B5EF4-FFF2-40B4-BE49-F238E27FC236}">
-                <a16:creationId xmlns:a16="http://schemas.microsoft.com/office/drawing/2014/main" id="{A65E75E5-CEBA-0C18-1ADE-844C35E4034A}"/>
+          <p:cNvPr id="7" name="図 6" descr="アイコン&#10;&#10;自動的に生成された説明">
+            <a:extLst>
+              <a:ext uri="{FF2B5EF4-FFF2-40B4-BE49-F238E27FC236}">
+                <a16:creationId xmlns:a16="http://schemas.microsoft.com/office/drawing/2014/main" id="{D87C639B-0869-02FD-CDF8-6207FBBC7332}"/>
               </a:ext>
             </a:extLst>
           </p:cNvPr>
@@ -9736,7 +8940,7 @@
         </p:blipFill>
         <p:spPr>
           <a:xfrm>
-            <a:off x="7756045" y="4253424"/>
+            <a:off x="7763828" y="1743749"/>
             <a:ext cx="900000" cy="900000"/>
           </a:xfrm>
           <a:prstGeom prst="rect">
@@ -9746,10 +8950,10 @@
       </p:pic>
       <p:pic>
         <p:nvPicPr>
-          <p:cNvPr id="58" name="図 57" descr="アイコン&#10;&#10;自動的に生成された説明">
-            <a:extLst>
-              <a:ext uri="{FF2B5EF4-FFF2-40B4-BE49-F238E27FC236}">
-                <a16:creationId xmlns:a16="http://schemas.microsoft.com/office/drawing/2014/main" id="{8AA9BA37-40C8-A6B1-BA04-20DF2F8C30F6}"/>
+          <p:cNvPr id="9" name="図 8" descr="アイコン&#10;&#10;自動的に生成された説明">
+            <a:extLst>
+              <a:ext uri="{FF2B5EF4-FFF2-40B4-BE49-F238E27FC236}">
+                <a16:creationId xmlns:a16="http://schemas.microsoft.com/office/drawing/2014/main" id="{39BB6AF3-D1FA-EE46-A123-12C4A94E9AEB}"/>
               </a:ext>
             </a:extLst>
           </p:cNvPr>
@@ -9772,7 +8976,7 @@
         </p:blipFill>
         <p:spPr>
           <a:xfrm>
-            <a:off x="5646000" y="5498740"/>
+            <a:off x="8082470" y="3022258"/>
             <a:ext cx="900000" cy="900000"/>
           </a:xfrm>
           <a:prstGeom prst="rect">
@@ -9782,10 +8986,10 @@
       </p:pic>
       <p:pic>
         <p:nvPicPr>
-          <p:cNvPr id="60" name="図 59" descr="図形, 円&#10;&#10;自動的に生成された説明">
-            <a:extLst>
-              <a:ext uri="{FF2B5EF4-FFF2-40B4-BE49-F238E27FC236}">
-                <a16:creationId xmlns:a16="http://schemas.microsoft.com/office/drawing/2014/main" id="{EBE81624-8397-2131-83CC-19FD44420B05}"/>
+          <p:cNvPr id="11" name="図 10" descr="黒い背景に白い文字がある&#10;&#10;低い精度で自動的に生成された説明">
+            <a:extLst>
+              <a:ext uri="{FF2B5EF4-FFF2-40B4-BE49-F238E27FC236}">
+                <a16:creationId xmlns:a16="http://schemas.microsoft.com/office/drawing/2014/main" id="{E01F9F4A-2392-C0E2-881E-9F026C501DA3}"/>
               </a:ext>
             </a:extLst>
           </p:cNvPr>
@@ -9808,7 +9012,7 @@
         </p:blipFill>
         <p:spPr>
           <a:xfrm>
-            <a:off x="4426299" y="5161160"/>
+            <a:off x="7858828" y="4219271"/>
             <a:ext cx="900000" cy="900000"/>
           </a:xfrm>
           <a:prstGeom prst="rect">
@@ -9818,10 +9022,10 @@
       </p:pic>
       <p:pic>
         <p:nvPicPr>
-          <p:cNvPr id="62" name="図 61" descr="アイコン&#10;&#10;自動的に生成された説明">
-            <a:extLst>
-              <a:ext uri="{FF2B5EF4-FFF2-40B4-BE49-F238E27FC236}">
-                <a16:creationId xmlns:a16="http://schemas.microsoft.com/office/drawing/2014/main" id="{950BC751-2417-4092-2583-4787A0ED588A}"/>
+          <p:cNvPr id="14" name="図 13" descr="ボール, 挿絵, テーブル が含まれている画像&#10;&#10;自動的に生成された説明">
+            <a:extLst>
+              <a:ext uri="{FF2B5EF4-FFF2-40B4-BE49-F238E27FC236}">
+                <a16:creationId xmlns:a16="http://schemas.microsoft.com/office/drawing/2014/main" id="{6E98BE31-28DF-2C41-09DB-215235A8815E}"/>
               </a:ext>
             </a:extLst>
           </p:cNvPr>
@@ -9844,8 +9048,8 @@
         </p:blipFill>
         <p:spPr>
           <a:xfrm>
-            <a:off x="3535957" y="4280790"/>
-            <a:ext cx="900000" cy="900000"/>
+            <a:off x="6863828" y="5143159"/>
+            <a:ext cx="918000" cy="918000"/>
           </a:xfrm>
           <a:prstGeom prst="rect">
             <a:avLst/>
@@ -9854,10 +9058,10 @@
       </p:pic>
       <p:pic>
         <p:nvPicPr>
-          <p:cNvPr id="64" name="図 63" descr="図形, 円&#10;&#10;自動的に生成された説明">
-            <a:extLst>
-              <a:ext uri="{FF2B5EF4-FFF2-40B4-BE49-F238E27FC236}">
-                <a16:creationId xmlns:a16="http://schemas.microsoft.com/office/drawing/2014/main" id="{DF27CF93-E1BD-0D75-5414-3EF5842B362C}"/>
+          <p:cNvPr id="18" name="図 17" descr="アイコン&#10;&#10;自動的に生成された説明">
+            <a:extLst>
+              <a:ext uri="{FF2B5EF4-FFF2-40B4-BE49-F238E27FC236}">
+                <a16:creationId xmlns:a16="http://schemas.microsoft.com/office/drawing/2014/main" id="{74054000-7677-D4ED-337A-4DC80DB11D46}"/>
               </a:ext>
             </a:extLst>
           </p:cNvPr>
@@ -9880,7 +9084,7 @@
         </p:blipFill>
         <p:spPr>
           <a:xfrm>
-            <a:off x="3209532" y="2994550"/>
+            <a:off x="4426299" y="5175082"/>
             <a:ext cx="900000" cy="900000"/>
           </a:xfrm>
           <a:prstGeom prst="rect">
@@ -9890,10 +9094,10 @@
       </p:pic>
       <p:pic>
         <p:nvPicPr>
-          <p:cNvPr id="66" name="図 65" descr="図形, 円&#10;&#10;自動的に生成された説明">
-            <a:extLst>
-              <a:ext uri="{FF2B5EF4-FFF2-40B4-BE49-F238E27FC236}">
-                <a16:creationId xmlns:a16="http://schemas.microsoft.com/office/drawing/2014/main" id="{41FC710F-6795-A70E-76CF-B10A38A6E810}"/>
+          <p:cNvPr id="22" name="図 21" descr="ロゴ, アイコン&#10;&#10;自動的に生成された説明">
+            <a:extLst>
+              <a:ext uri="{FF2B5EF4-FFF2-40B4-BE49-F238E27FC236}">
+                <a16:creationId xmlns:a16="http://schemas.microsoft.com/office/drawing/2014/main" id="{BB3F3270-F3D2-0A11-A9B7-7BBA49FD48A9}"/>
               </a:ext>
             </a:extLst>
           </p:cNvPr>
@@ -9903,7 +9107,7 @@
           <p:nvPr/>
         </p:nvPicPr>
         <p:blipFill>
-          <a:blip r:embed="rId7">
+          <a:blip r:embed="rId12">
             <a:extLst>
               <a:ext uri="{28A0092B-C50C-407E-A947-70E740481C1C}">
                 <a14:useLocalDpi xmlns:a14="http://schemas.microsoft.com/office/drawing/2010/main" val="0"/>
@@ -9916,7 +9120,7 @@
         </p:blipFill>
         <p:spPr>
           <a:xfrm>
-            <a:off x="3535957" y="1719130"/>
+            <a:off x="3209531" y="3032354"/>
             <a:ext cx="900000" cy="900000"/>
           </a:xfrm>
           <a:prstGeom prst="rect">
@@ -9926,10 +9130,10 @@
       </p:pic>
       <p:pic>
         <p:nvPicPr>
-          <p:cNvPr id="68" name="図 67" descr="図形, 円&#10;&#10;自動的に生成された説明">
-            <a:extLst>
-              <a:ext uri="{FF2B5EF4-FFF2-40B4-BE49-F238E27FC236}">
-                <a16:creationId xmlns:a16="http://schemas.microsoft.com/office/drawing/2014/main" id="{F96E9E0A-B0C8-F0CA-59DE-62B19B7E10E8}"/>
+          <p:cNvPr id="26" name="図 25" descr="ウィンドウ, ホイール が含まれている画像&#10;&#10;自動的に生成された説明">
+            <a:extLst>
+              <a:ext uri="{FF2B5EF4-FFF2-40B4-BE49-F238E27FC236}">
+                <a16:creationId xmlns:a16="http://schemas.microsoft.com/office/drawing/2014/main" id="{AEA942AB-E187-22F0-8D94-133511564AB2}"/>
               </a:ext>
             </a:extLst>
           </p:cNvPr>
@@ -9939,7 +9143,7 @@
           <p:nvPr/>
         </p:nvPicPr>
         <p:blipFill>
-          <a:blip r:embed="rId12">
+          <a:blip r:embed="rId13">
             <a:extLst>
               <a:ext uri="{28A0092B-C50C-407E-A947-70E740481C1C}">
                 <a14:useLocalDpi xmlns:a14="http://schemas.microsoft.com/office/drawing/2010/main" val="0"/>
@@ -9952,7 +9156,43 @@
         </p:blipFill>
         <p:spPr>
           <a:xfrm>
-            <a:off x="4426299" y="811355"/>
+            <a:off x="3535957" y="1747134"/>
+            <a:ext cx="900000" cy="900000"/>
+          </a:xfrm>
+          <a:prstGeom prst="rect">
+            <a:avLst/>
+          </a:prstGeom>
+        </p:spPr>
+      </p:pic>
+      <p:pic>
+        <p:nvPicPr>
+          <p:cNvPr id="29" name="図 28" descr="アイコン&#10;&#10;自動的に生成された説明">
+            <a:extLst>
+              <a:ext uri="{FF2B5EF4-FFF2-40B4-BE49-F238E27FC236}">
+                <a16:creationId xmlns:a16="http://schemas.microsoft.com/office/drawing/2014/main" id="{B63D9F2C-9A4B-A48C-216C-496B3B7F2130}"/>
+              </a:ext>
+            </a:extLst>
+          </p:cNvPr>
+          <p:cNvPicPr>
+            <a:picLocks noChangeAspect="1"/>
+          </p:cNvPicPr>
+          <p:nvPr/>
+        </p:nvPicPr>
+        <p:blipFill>
+          <a:blip r:embed="rId14">
+            <a:extLst>
+              <a:ext uri="{28A0092B-C50C-407E-A947-70E740481C1C}">
+                <a14:useLocalDpi xmlns:a14="http://schemas.microsoft.com/office/drawing/2010/main" val="0"/>
+              </a:ext>
+            </a:extLst>
+          </a:blip>
+          <a:stretch>
+            <a:fillRect/>
+          </a:stretch>
+        </p:blipFill>
+        <p:spPr>
+          <a:xfrm>
+            <a:off x="4416340" y="833863"/>
             <a:ext cx="900000" cy="900000"/>
           </a:xfrm>
           <a:prstGeom prst="rect">

--- a/_tmp/イメージ.pptx
+++ b/_tmp/イメージ.pptx
@@ -5493,6 +5493,19 @@
           <a:p>
             <a:pPr algn="ctr"/>
             <a:r>
+              <a:rPr lang="ja-JP" altLang="en-US" sz="7200" dirty="0">
+                <a:ln w="12700">
+                  <a:solidFill>
+                    <a:srgbClr val="FFFFFF"/>
+                  </a:solidFill>
+                </a:ln>
+                <a:latin typeface="Rounded Mplus 1c" panose="020B0502020203020207" pitchFamily="50" charset="-128"/>
+                <a:ea typeface="Rounded Mplus 1c" panose="020B0502020203020207" pitchFamily="50" charset="-128"/>
+                <a:cs typeface="Rounded Mplus 1c" panose="020B0502020203020207" pitchFamily="50" charset="-128"/>
+              </a:rPr>
+              <a:t>ゼータ</a:t>
+            </a:r>
+            <a:r>
               <a:rPr kumimoji="1" lang="ja-JP" altLang="en-US" sz="7200" dirty="0">
                 <a:ln w="12700">
                   <a:solidFill>
@@ -5503,7 +5516,7 @@
                 <a:ea typeface="Rounded Mplus 1c" panose="020B0502020203020207" pitchFamily="50" charset="-128"/>
                 <a:cs typeface="Rounded Mplus 1c" panose="020B0502020203020207" pitchFamily="50" charset="-128"/>
               </a:rPr>
-              <a:t>イプシロン版</a:t>
+              <a:t>版</a:t>
             </a:r>
           </a:p>
         </p:txBody>

--- a/_tmp/イメージ.pptx
+++ b/_tmp/イメージ.pptx
@@ -277,7 +277,7 @@
           <a:p>
             <a:fld id="{631EE54B-C8F3-4E2F-AEEF-7EF4ED04F042}" type="datetimeFigureOut">
               <a:rPr kumimoji="1" lang="ja-JP" altLang="en-US" smtClean="0"/>
-              <a:t>2023/11/7</a:t>
+              <a:t>2023/11/8</a:t>
             </a:fld>
             <a:endParaRPr kumimoji="1" lang="ja-JP" altLang="en-US"/>
           </a:p>
@@ -507,7 +507,7 @@
           <a:p>
             <a:fld id="{631EE54B-C8F3-4E2F-AEEF-7EF4ED04F042}" type="datetimeFigureOut">
               <a:rPr kumimoji="1" lang="ja-JP" altLang="en-US" smtClean="0"/>
-              <a:t>2023/11/7</a:t>
+              <a:t>2023/11/8</a:t>
             </a:fld>
             <a:endParaRPr kumimoji="1" lang="ja-JP" altLang="en-US"/>
           </a:p>
@@ -747,7 +747,7 @@
           <a:p>
             <a:fld id="{631EE54B-C8F3-4E2F-AEEF-7EF4ED04F042}" type="datetimeFigureOut">
               <a:rPr kumimoji="1" lang="ja-JP" altLang="en-US" smtClean="0"/>
-              <a:t>2023/11/7</a:t>
+              <a:t>2023/11/8</a:t>
             </a:fld>
             <a:endParaRPr kumimoji="1" lang="ja-JP" altLang="en-US"/>
           </a:p>
@@ -977,7 +977,7 @@
           <a:p>
             <a:fld id="{631EE54B-C8F3-4E2F-AEEF-7EF4ED04F042}" type="datetimeFigureOut">
               <a:rPr kumimoji="1" lang="ja-JP" altLang="en-US" smtClean="0"/>
-              <a:t>2023/11/7</a:t>
+              <a:t>2023/11/8</a:t>
             </a:fld>
             <a:endParaRPr kumimoji="1" lang="ja-JP" altLang="en-US"/>
           </a:p>
@@ -1252,7 +1252,7 @@
           <a:p>
             <a:fld id="{631EE54B-C8F3-4E2F-AEEF-7EF4ED04F042}" type="datetimeFigureOut">
               <a:rPr kumimoji="1" lang="ja-JP" altLang="en-US" smtClean="0"/>
-              <a:t>2023/11/7</a:t>
+              <a:t>2023/11/8</a:t>
             </a:fld>
             <a:endParaRPr kumimoji="1" lang="ja-JP" altLang="en-US"/>
           </a:p>
@@ -1581,7 +1581,7 @@
           <a:p>
             <a:fld id="{631EE54B-C8F3-4E2F-AEEF-7EF4ED04F042}" type="datetimeFigureOut">
               <a:rPr kumimoji="1" lang="ja-JP" altLang="en-US" smtClean="0"/>
-              <a:t>2023/11/7</a:t>
+              <a:t>2023/11/8</a:t>
             </a:fld>
             <a:endParaRPr kumimoji="1" lang="ja-JP" altLang="en-US"/>
           </a:p>
@@ -2057,7 +2057,7 @@
           <a:p>
             <a:fld id="{631EE54B-C8F3-4E2F-AEEF-7EF4ED04F042}" type="datetimeFigureOut">
               <a:rPr kumimoji="1" lang="ja-JP" altLang="en-US" smtClean="0"/>
-              <a:t>2023/11/7</a:t>
+              <a:t>2023/11/8</a:t>
             </a:fld>
             <a:endParaRPr kumimoji="1" lang="ja-JP" altLang="en-US"/>
           </a:p>
@@ -2198,7 +2198,7 @@
           <a:p>
             <a:fld id="{631EE54B-C8F3-4E2F-AEEF-7EF4ED04F042}" type="datetimeFigureOut">
               <a:rPr kumimoji="1" lang="ja-JP" altLang="en-US" smtClean="0"/>
-              <a:t>2023/11/7</a:t>
+              <a:t>2023/11/8</a:t>
             </a:fld>
             <a:endParaRPr kumimoji="1" lang="ja-JP" altLang="en-US"/>
           </a:p>
@@ -2311,7 +2311,7 @@
           <a:p>
             <a:fld id="{631EE54B-C8F3-4E2F-AEEF-7EF4ED04F042}" type="datetimeFigureOut">
               <a:rPr kumimoji="1" lang="ja-JP" altLang="en-US" smtClean="0"/>
-              <a:t>2023/11/7</a:t>
+              <a:t>2023/11/8</a:t>
             </a:fld>
             <a:endParaRPr kumimoji="1" lang="ja-JP" altLang="en-US"/>
           </a:p>
@@ -2654,7 +2654,7 @@
           <a:p>
             <a:fld id="{631EE54B-C8F3-4E2F-AEEF-7EF4ED04F042}" type="datetimeFigureOut">
               <a:rPr kumimoji="1" lang="ja-JP" altLang="en-US" smtClean="0"/>
-              <a:t>2023/11/7</a:t>
+              <a:t>2023/11/8</a:t>
             </a:fld>
             <a:endParaRPr kumimoji="1" lang="ja-JP" altLang="en-US"/>
           </a:p>
@@ -2942,7 +2942,7 @@
           <a:p>
             <a:fld id="{631EE54B-C8F3-4E2F-AEEF-7EF4ED04F042}" type="datetimeFigureOut">
               <a:rPr kumimoji="1" lang="ja-JP" altLang="en-US" smtClean="0"/>
-              <a:t>2023/11/7</a:t>
+              <a:t>2023/11/8</a:t>
             </a:fld>
             <a:endParaRPr kumimoji="1" lang="ja-JP" altLang="en-US"/>
           </a:p>
@@ -3215,7 +3215,7 @@
           <a:p>
             <a:fld id="{631EE54B-C8F3-4E2F-AEEF-7EF4ED04F042}" type="datetimeFigureOut">
               <a:rPr kumimoji="1" lang="ja-JP" altLang="en-US" smtClean="0"/>
-              <a:t>2023/11/7</a:t>
+              <a:t>2023/11/8</a:t>
             </a:fld>
             <a:endParaRPr kumimoji="1" lang="ja-JP" altLang="en-US"/>
           </a:p>
@@ -7239,7 +7239,7 @@
         </p:blipFill>
         <p:spPr>
           <a:xfrm>
-            <a:off x="8080919" y="3323863"/>
+            <a:off x="1477509" y="4697790"/>
             <a:ext cx="720000" cy="720000"/>
           </a:xfrm>
           <a:prstGeom prst="rect">
@@ -7275,7 +7275,7 @@
         </p:blipFill>
         <p:spPr>
           <a:xfrm>
-            <a:off x="5556000" y="1168487"/>
+            <a:off x="4803234" y="2109493"/>
             <a:ext cx="720000" cy="720000"/>
           </a:xfrm>
           <a:prstGeom prst="rect">
@@ -7347,7 +7347,7 @@
         </p:blipFill>
         <p:spPr>
           <a:xfrm>
-            <a:off x="4792101" y="2243863"/>
+            <a:off x="2958986" y="2026921"/>
             <a:ext cx="720000" cy="720000"/>
           </a:xfrm>
           <a:prstGeom prst="rect">
@@ -7383,7 +7383,7 @@
         </p:blipFill>
         <p:spPr>
           <a:xfrm>
-            <a:off x="8884148" y="1735955"/>
+            <a:off x="3097303" y="4374652"/>
             <a:ext cx="720000" cy="720000"/>
           </a:xfrm>
           <a:prstGeom prst="rect">
@@ -7419,7 +7419,7 @@
         </p:blipFill>
         <p:spPr>
           <a:xfrm>
-            <a:off x="6679900" y="1989000"/>
+            <a:off x="4754599" y="3332635"/>
             <a:ext cx="720000" cy="720000"/>
           </a:xfrm>
           <a:prstGeom prst="rect">
@@ -7563,7 +7563,7 @@
         </p:blipFill>
         <p:spPr>
           <a:xfrm>
-            <a:off x="1705337" y="2709000"/>
+            <a:off x="1598376" y="3075521"/>
             <a:ext cx="720000" cy="720000"/>
           </a:xfrm>
           <a:prstGeom prst="rect">
@@ -7599,7 +7599,7 @@
         </p:blipFill>
         <p:spPr>
           <a:xfrm>
-            <a:off x="2909861" y="2963863"/>
+            <a:off x="3236954" y="2963863"/>
             <a:ext cx="720000" cy="720000"/>
           </a:xfrm>
           <a:prstGeom prst="rect">
